--- a/display.pptx
+++ b/display.pptx
@@ -16,21 +16,22 @@
     <p:sldId id="261" r:id="rId11"/>
     <p:sldId id="262" r:id="rId12"/>
     <p:sldId id="263" r:id="rId13"/>
+    <p:sldId id="264" r:id="rId14"/>
   </p:sldIdLst>
   <p:sldSz cy="5143500" cx="9144000"/>
   <p:notesSz cx="6858000" cy="9144000"/>
   <p:embeddedFontLst>
     <p:embeddedFont>
       <p:font typeface="Roboto Slab"/>
-      <p:regular r:id="rId14"/>
-      <p:bold r:id="rId15"/>
+      <p:regular r:id="rId15"/>
+      <p:bold r:id="rId16"/>
     </p:embeddedFont>
     <p:embeddedFont>
       <p:font typeface="Roboto"/>
-      <p:regular r:id="rId16"/>
-      <p:bold r:id="rId17"/>
-      <p:italic r:id="rId18"/>
-      <p:boldItalic r:id="rId19"/>
+      <p:regular r:id="rId17"/>
+      <p:bold r:id="rId18"/>
+      <p:italic r:id="rId19"/>
+      <p:boldItalic r:id="rId20"/>
     </p:embeddedFont>
   </p:embeddedFontLst>
   <p:defaultTextStyle>
@@ -922,7 +923,7 @@
       </p:grpSpPr>
       <p:sp>
         <p:nvSpPr>
-          <p:cNvPr id="73" name="Google Shape;73;gc6f90357f_0_27:notes"/>
+          <p:cNvPr id="73" name="Google Shape;73;g51cffaa05f_0_0:notes"/>
           <p:cNvSpPr/>
           <p:nvPr>
             <p:ph idx="2" type="sldImg"/>
@@ -957,7 +958,7 @@
       </p:sp>
       <p:sp>
         <p:nvSpPr>
-          <p:cNvPr id="74" name="Google Shape;74;gc6f90357f_0_27:notes"/>
+          <p:cNvPr id="74" name="Google Shape;74;g51cffaa05f_0_0:notes"/>
           <p:cNvSpPr txBox="1"/>
           <p:nvPr>
             <p:ph idx="1" type="body"/>
@@ -1021,7 +1022,7 @@
       </p:grpSpPr>
       <p:sp>
         <p:nvSpPr>
-          <p:cNvPr id="79" name="Google Shape;79;g5239af4503_0_5:notes"/>
+          <p:cNvPr id="79" name="Google Shape;79;gc6f90357f_0_27:notes"/>
           <p:cNvSpPr/>
           <p:nvPr>
             <p:ph idx="2" type="sldImg"/>
@@ -1056,7 +1057,7 @@
       </p:sp>
       <p:sp>
         <p:nvSpPr>
-          <p:cNvPr id="80" name="Google Shape;80;g5239af4503_0_5:notes"/>
+          <p:cNvPr id="80" name="Google Shape;80;gc6f90357f_0_27:notes"/>
           <p:cNvSpPr txBox="1"/>
           <p:nvPr>
             <p:ph idx="1" type="body"/>
@@ -1120,7 +1121,7 @@
       </p:grpSpPr>
       <p:sp>
         <p:nvSpPr>
-          <p:cNvPr id="85" name="Google Shape;85;gc6f90357f_0_19:notes"/>
+          <p:cNvPr id="85" name="Google Shape;85;g5239af4503_0_5:notes"/>
           <p:cNvSpPr/>
           <p:nvPr>
             <p:ph idx="2" type="sldImg"/>
@@ -1155,7 +1156,7 @@
       </p:sp>
       <p:sp>
         <p:nvSpPr>
-          <p:cNvPr id="86" name="Google Shape;86;gc6f90357f_0_19:notes"/>
+          <p:cNvPr id="86" name="Google Shape;86;g5239af4503_0_5:notes"/>
           <p:cNvSpPr txBox="1"/>
           <p:nvPr>
             <p:ph idx="1" type="body"/>
@@ -1219,7 +1220,7 @@
       </p:grpSpPr>
       <p:sp>
         <p:nvSpPr>
-          <p:cNvPr id="91" name="Google Shape;91;g5239af4503_0_13:notes"/>
+          <p:cNvPr id="91" name="Google Shape;91;gc6f90357f_0_19:notes"/>
           <p:cNvSpPr/>
           <p:nvPr>
             <p:ph idx="2" type="sldImg"/>
@@ -1254,7 +1255,7 @@
       </p:sp>
       <p:sp>
         <p:nvSpPr>
-          <p:cNvPr id="92" name="Google Shape;92;g5239af4503_0_13:notes"/>
+          <p:cNvPr id="92" name="Google Shape;92;gc6f90357f_0_19:notes"/>
           <p:cNvSpPr txBox="1"/>
           <p:nvPr>
             <p:ph idx="1" type="body"/>
@@ -1318,7 +1319,7 @@
       </p:grpSpPr>
       <p:sp>
         <p:nvSpPr>
-          <p:cNvPr id="97" name="Google Shape;97;g5239af4503_0_0:notes"/>
+          <p:cNvPr id="97" name="Google Shape;97;g5239af4503_0_13:notes"/>
           <p:cNvSpPr/>
           <p:nvPr>
             <p:ph idx="2" type="sldImg"/>
@@ -1353,7 +1354,7 @@
       </p:sp>
       <p:sp>
         <p:nvSpPr>
-          <p:cNvPr id="98" name="Google Shape;98;g5239af4503_0_0:notes"/>
+          <p:cNvPr id="98" name="Google Shape;98;g5239af4503_0_13:notes"/>
           <p:cNvSpPr txBox="1"/>
           <p:nvPr>
             <p:ph idx="1" type="body"/>
@@ -1417,7 +1418,7 @@
       </p:grpSpPr>
       <p:sp>
         <p:nvSpPr>
-          <p:cNvPr id="103" name="Google Shape;103;gc6f90357f_0_47:notes"/>
+          <p:cNvPr id="103" name="Google Shape;103;g5239af4503_0_0:notes"/>
           <p:cNvSpPr/>
           <p:nvPr>
             <p:ph idx="2" type="sldImg"/>
@@ -1452,7 +1453,106 @@
       </p:sp>
       <p:sp>
         <p:nvSpPr>
-          <p:cNvPr id="104" name="Google Shape;104;gc6f90357f_0_47:notes"/>
+          <p:cNvPr id="104" name="Google Shape;104;g5239af4503_0_0:notes"/>
+          <p:cNvSpPr txBox="1"/>
+          <p:nvPr>
+            <p:ph idx="1" type="body"/>
+          </p:nvPr>
+        </p:nvSpPr>
+        <p:spPr>
+          <a:xfrm>
+            <a:off x="685800" y="4343400"/>
+            <a:ext cx="5486400" cy="4114800"/>
+          </a:xfrm>
+          <a:prstGeom prst="rect">
+            <a:avLst/>
+          </a:prstGeom>
+        </p:spPr>
+        <p:txBody>
+          <a:bodyPr anchorCtr="0" anchor="t" bIns="91425" lIns="91425" spcFirstLastPara="1" rIns="91425" wrap="square" tIns="91425">
+            <a:noAutofit/>
+          </a:bodyPr>
+          <a:lstStyle/>
+          <a:p>
+            <a:pPr indent="0" lvl="0" marL="0" rtl="0" algn="l">
+              <a:spcBef>
+                <a:spcPts val="0"/>
+              </a:spcBef>
+              <a:spcAft>
+                <a:spcPts val="0"/>
+              </a:spcAft>
+              <a:buNone/>
+            </a:pPr>
+            <a:r>
+              <a:t/>
+            </a:r>
+            <a:endParaRPr/>
+          </a:p>
+        </p:txBody>
+      </p:sp>
+    </p:spTree>
+  </p:cSld>
+  <p:clrMapOvr>
+    <a:masterClrMapping/>
+  </p:clrMapOvr>
+</p:notes>
+</file>
+
+<file path=ppt/notesSlides/notesSlide9.xml><?xml version="1.0" encoding="utf-8"?>
+<p:notes xmlns:a="http://schemas.openxmlformats.org/drawingml/2006/main" xmlns:r="http://schemas.openxmlformats.org/officeDocument/2006/relationships" xmlns:mc="http://schemas.openxmlformats.org/markup-compatibility/2006" xmlns:mv="urn:schemas-microsoft-com:mac:vml" xmlns:p="http://schemas.openxmlformats.org/presentationml/2006/main" xmlns:c="http://schemas.openxmlformats.org/drawingml/2006/chart" xmlns:dgm="http://schemas.openxmlformats.org/drawingml/2006/diagram" xmlns:o="urn:schemas-microsoft-com:office:office" xmlns:v="urn:schemas-microsoft-com:vml" xmlns:pvml="urn:schemas-microsoft-com:office:powerpoint" xmlns:com="http://schemas.openxmlformats.org/drawingml/2006/compatibility" xmlns:p14="http://schemas.microsoft.com/office/powerpoint/2010/main" xmlns:p15="http://schemas.microsoft.com/office/powerpoint/2012/main" showMasterPhAnim="0" showMasterSp="0">
+  <p:cSld>
+    <p:spTree>
+      <p:nvGrpSpPr>
+        <p:cNvPr id="108" name="Shape 108"/>
+        <p:cNvGrpSpPr/>
+        <p:nvPr/>
+      </p:nvGrpSpPr>
+      <p:grpSpPr>
+        <a:xfrm>
+          <a:off x="0" y="0"/>
+          <a:ext cx="0" cy="0"/>
+          <a:chOff x="0" y="0"/>
+          <a:chExt cx="0" cy="0"/>
+        </a:xfrm>
+      </p:grpSpPr>
+      <p:sp>
+        <p:nvSpPr>
+          <p:cNvPr id="109" name="Google Shape;109;gc6f90357f_0_47:notes"/>
+          <p:cNvSpPr/>
+          <p:nvPr>
+            <p:ph idx="2" type="sldImg"/>
+          </p:nvPr>
+        </p:nvSpPr>
+        <p:spPr>
+          <a:xfrm>
+            <a:off x="381188" y="685800"/>
+            <a:ext cx="6096300" cy="3429000"/>
+          </a:xfrm>
+          <a:custGeom>
+            <a:rect b="b" l="l" r="r" t="t"/>
+            <a:pathLst>
+              <a:path extrusionOk="0" h="120000" w="120000">
+                <a:moveTo>
+                  <a:pt x="0" y="0"/>
+                </a:moveTo>
+                <a:lnTo>
+                  <a:pt x="120000" y="0"/>
+                </a:lnTo>
+                <a:lnTo>
+                  <a:pt x="120000" y="120000"/>
+                </a:lnTo>
+                <a:lnTo>
+                  <a:pt x="0" y="120000"/>
+                </a:lnTo>
+                <a:close/>
+              </a:path>
+            </a:pathLst>
+          </a:custGeom>
+        </p:spPr>
+      </p:sp>
+      <p:sp>
+        <p:nvSpPr>
+          <p:cNvPr id="110" name="Google Shape;110;gc6f90357f_0_47:notes"/>
           <p:cNvSpPr txBox="1"/>
           <p:nvPr>
             <p:ph idx="1" type="body"/>
@@ -7128,8 +7228,8 @@
         </p:nvSpPr>
         <p:spPr>
           <a:xfrm>
-            <a:off x="549325" y="1132600"/>
-            <a:ext cx="8222100" cy="1205400"/>
+            <a:off x="327175" y="2118000"/>
+            <a:ext cx="4110900" cy="907500"/>
           </a:xfrm>
           <a:prstGeom prst="rect">
             <a:avLst/>
@@ -7141,7 +7241,7 @@
           </a:bodyPr>
           <a:lstStyle/>
           <a:p>
-            <a:pPr indent="0" lvl="0" marL="0" rtl="0" algn="l">
+            <a:pPr indent="0" lvl="0" marL="0" rtl="0" algn="ctr">
               <a:spcBef>
                 <a:spcPts val="0"/>
               </a:spcBef>
@@ -7152,22 +7252,30 @@
             </a:pPr>
             <a:r>
               <a:rPr lang="en"/>
-              <a:t>           Pre Processing</a:t>
+              <a:t>Block Diagram</a:t>
             </a:r>
             <a:endParaRPr/>
           </a:p>
         </p:txBody>
       </p:sp>
-      <p:sp>
-        <p:nvSpPr>
+      <p:pic>
+        <p:nvPicPr>
           <p:cNvPr id="77" name="Google Shape;77;p15"/>
-          <p:cNvSpPr txBox="1"/>
+          <p:cNvPicPr preferRelativeResize="0"/>
           <p:nvPr/>
-        </p:nvSpPr>
+        </p:nvPicPr>
+        <p:blipFill>
+          <a:blip r:embed="rId3">
+            <a:alphaModFix/>
+          </a:blip>
+          <a:stretch>
+            <a:fillRect/>
+          </a:stretch>
+        </p:blipFill>
         <p:spPr>
           <a:xfrm>
-            <a:off x="524100" y="3023775"/>
-            <a:ext cx="8095800" cy="1849500"/>
+            <a:off x="4042507" y="115525"/>
+            <a:ext cx="4950034" cy="5143499"/>
           </a:xfrm>
           <a:prstGeom prst="rect">
             <a:avLst/>
@@ -7177,113 +7285,7 @@
             <a:noFill/>
           </a:ln>
         </p:spPr>
-        <p:txBody>
-          <a:bodyPr anchorCtr="0" anchor="t" bIns="91425" lIns="91425" spcFirstLastPara="1" rIns="91425" wrap="square" tIns="91425">
-            <a:noAutofit/>
-          </a:bodyPr>
-          <a:lstStyle/>
-          <a:p>
-            <a:pPr indent="0" lvl="0" marL="0" rtl="0" algn="l">
-              <a:lnSpc>
-                <a:spcPct val="115000"/>
-              </a:lnSpc>
-              <a:spcBef>
-                <a:spcPts val="0"/>
-              </a:spcBef>
-              <a:spcAft>
-                <a:spcPts val="0"/>
-              </a:spcAft>
-              <a:buNone/>
-            </a:pPr>
-            <a:r>
-              <a:rPr lang="en" sz="1600">
-                <a:solidFill>
-                  <a:srgbClr val="F3F3F3"/>
-                </a:solidFill>
-              </a:rPr>
-              <a:t>This involves collecting data from the dataset, loading the data, removing duplicate tuples, white spaces and plotting the length of each post (blog post).</a:t>
-            </a:r>
-            <a:endParaRPr sz="1600">
-              <a:solidFill>
-                <a:srgbClr val="F3F3F3"/>
-              </a:solidFill>
-            </a:endParaRPr>
-          </a:p>
-          <a:p>
-            <a:pPr indent="0" lvl="0" marL="0" rtl="0" algn="l">
-              <a:spcBef>
-                <a:spcPts val="2700"/>
-              </a:spcBef>
-              <a:spcAft>
-                <a:spcPts val="0"/>
-              </a:spcAft>
-              <a:buNone/>
-            </a:pPr>
-            <a:r>
-              <a:rPr lang="en" sz="1600">
-                <a:solidFill>
-                  <a:srgbClr val="FFFFFF"/>
-                </a:solidFill>
-              </a:rPr>
-              <a:t>df.drop_duplicates(subset="text",inplace=True)</a:t>
-            </a:r>
-            <a:endParaRPr sz="1600">
-              <a:solidFill>
-                <a:srgbClr val="FFFFFF"/>
-              </a:solidFill>
-            </a:endParaRPr>
-          </a:p>
-          <a:p>
-            <a:pPr indent="0" lvl="0" marL="0" rtl="0" algn="l">
-              <a:lnSpc>
-                <a:spcPct val="115000"/>
-              </a:lnSpc>
-              <a:spcBef>
-                <a:spcPts val="0"/>
-              </a:spcBef>
-              <a:spcAft>
-                <a:spcPts val="0"/>
-              </a:spcAft>
-              <a:buNone/>
-            </a:pPr>
-            <a:r>
-              <a:t/>
-            </a:r>
-            <a:endParaRPr sz="1600">
-              <a:solidFill>
-                <a:srgbClr val="F3F3F3"/>
-              </a:solidFill>
-            </a:endParaRPr>
-          </a:p>
-          <a:p>
-            <a:pPr indent="0" lvl="0" marL="0" rtl="0" algn="l">
-              <a:lnSpc>
-                <a:spcPct val="115000"/>
-              </a:lnSpc>
-              <a:spcBef>
-                <a:spcPts val="2700"/>
-              </a:spcBef>
-              <a:spcAft>
-                <a:spcPts val="2700"/>
-              </a:spcAft>
-              <a:buClr>
-                <a:srgbClr val="000000"/>
-              </a:buClr>
-              <a:buSzPts val="1100"/>
-              <a:buFont typeface="Arial"/>
-              <a:buNone/>
-            </a:pPr>
-            <a:r>
-              <a:t/>
-            </a:r>
-            <a:endParaRPr sz="1600">
-              <a:solidFill>
-                <a:srgbClr val="F3F3F3"/>
-              </a:solidFill>
-            </a:endParaRPr>
-          </a:p>
-        </p:txBody>
-      </p:sp>
+      </p:pic>
     </p:spTree>
   </p:cSld>
   <p:clrMapOvr>
@@ -7319,8 +7321,8 @@
         </p:nvSpPr>
         <p:spPr>
           <a:xfrm>
-            <a:off x="460950" y="450025"/>
-            <a:ext cx="8222100" cy="907500"/>
+            <a:off x="549325" y="1132600"/>
+            <a:ext cx="8222100" cy="1205400"/>
           </a:xfrm>
           <a:prstGeom prst="rect">
             <a:avLst/>
@@ -7332,7 +7334,7 @@
           </a:bodyPr>
           <a:lstStyle/>
           <a:p>
-            <a:pPr indent="0" lvl="0" marL="0" rtl="0" algn="ctr">
+            <a:pPr indent="0" lvl="0" marL="0" rtl="0" algn="l">
               <a:spcBef>
                 <a:spcPts val="0"/>
               </a:spcBef>
@@ -7343,30 +7345,22 @@
             </a:pPr>
             <a:r>
               <a:rPr lang="en"/>
-              <a:t>The Labels</a:t>
+              <a:t>           Pre Processing</a:t>
             </a:r>
             <a:endParaRPr/>
           </a:p>
         </p:txBody>
       </p:sp>
-      <p:pic>
-        <p:nvPicPr>
+      <p:sp>
+        <p:nvSpPr>
           <p:cNvPr id="83" name="Google Shape;83;p16"/>
-          <p:cNvPicPr preferRelativeResize="0"/>
+          <p:cNvSpPr txBox="1"/>
           <p:nvPr/>
-        </p:nvPicPr>
-        <p:blipFill>
-          <a:blip r:embed="rId3">
-            <a:alphaModFix/>
-          </a:blip>
-          <a:stretch>
-            <a:fillRect/>
-          </a:stretch>
-        </p:blipFill>
+        </p:nvSpPr>
         <p:spPr>
           <a:xfrm>
-            <a:off x="1764063" y="1357525"/>
-            <a:ext cx="5615872" cy="3509924"/>
+            <a:off x="524100" y="3023775"/>
+            <a:ext cx="8095800" cy="1849500"/>
           </a:xfrm>
           <a:prstGeom prst="rect">
             <a:avLst/>
@@ -7376,7 +7370,113 @@
             <a:noFill/>
           </a:ln>
         </p:spPr>
-      </p:pic>
+        <p:txBody>
+          <a:bodyPr anchorCtr="0" anchor="t" bIns="91425" lIns="91425" spcFirstLastPara="1" rIns="91425" wrap="square" tIns="91425">
+            <a:noAutofit/>
+          </a:bodyPr>
+          <a:lstStyle/>
+          <a:p>
+            <a:pPr indent="0" lvl="0" marL="0" rtl="0" algn="l">
+              <a:lnSpc>
+                <a:spcPct val="115000"/>
+              </a:lnSpc>
+              <a:spcBef>
+                <a:spcPts val="0"/>
+              </a:spcBef>
+              <a:spcAft>
+                <a:spcPts val="0"/>
+              </a:spcAft>
+              <a:buNone/>
+            </a:pPr>
+            <a:r>
+              <a:rPr lang="en" sz="1600">
+                <a:solidFill>
+                  <a:srgbClr val="F3F3F3"/>
+                </a:solidFill>
+              </a:rPr>
+              <a:t>This involves collecting data from the dataset, loading the data, removing duplicate tuples, white spaces and plotting the length of each post (blog post).</a:t>
+            </a:r>
+            <a:endParaRPr sz="1600">
+              <a:solidFill>
+                <a:srgbClr val="F3F3F3"/>
+              </a:solidFill>
+            </a:endParaRPr>
+          </a:p>
+          <a:p>
+            <a:pPr indent="0" lvl="0" marL="0" rtl="0" algn="l">
+              <a:spcBef>
+                <a:spcPts val="2700"/>
+              </a:spcBef>
+              <a:spcAft>
+                <a:spcPts val="0"/>
+              </a:spcAft>
+              <a:buNone/>
+            </a:pPr>
+            <a:r>
+              <a:rPr lang="en" sz="1600">
+                <a:solidFill>
+                  <a:srgbClr val="FFFFFF"/>
+                </a:solidFill>
+              </a:rPr>
+              <a:t>df.drop_duplicates(subset="text",inplace=True)</a:t>
+            </a:r>
+            <a:endParaRPr sz="1600">
+              <a:solidFill>
+                <a:srgbClr val="FFFFFF"/>
+              </a:solidFill>
+            </a:endParaRPr>
+          </a:p>
+          <a:p>
+            <a:pPr indent="0" lvl="0" marL="0" rtl="0" algn="l">
+              <a:lnSpc>
+                <a:spcPct val="115000"/>
+              </a:lnSpc>
+              <a:spcBef>
+                <a:spcPts val="0"/>
+              </a:spcBef>
+              <a:spcAft>
+                <a:spcPts val="0"/>
+              </a:spcAft>
+              <a:buNone/>
+            </a:pPr>
+            <a:r>
+              <a:t/>
+            </a:r>
+            <a:endParaRPr sz="1600">
+              <a:solidFill>
+                <a:srgbClr val="F3F3F3"/>
+              </a:solidFill>
+            </a:endParaRPr>
+          </a:p>
+          <a:p>
+            <a:pPr indent="0" lvl="0" marL="0" rtl="0" algn="l">
+              <a:lnSpc>
+                <a:spcPct val="115000"/>
+              </a:lnSpc>
+              <a:spcBef>
+                <a:spcPts val="2700"/>
+              </a:spcBef>
+              <a:spcAft>
+                <a:spcPts val="2700"/>
+              </a:spcAft>
+              <a:buClr>
+                <a:srgbClr val="000000"/>
+              </a:buClr>
+              <a:buSzPts val="1100"/>
+              <a:buFont typeface="Arial"/>
+              <a:buNone/>
+            </a:pPr>
+            <a:r>
+              <a:t/>
+            </a:r>
+            <a:endParaRPr sz="1600">
+              <a:solidFill>
+                <a:srgbClr val="F3F3F3"/>
+              </a:solidFill>
+            </a:endParaRPr>
+          </a:p>
+        </p:txBody>
+      </p:sp>
     </p:spTree>
   </p:cSld>
   <p:clrMapOvr>
@@ -7412,8 +7512,8 @@
         </p:nvSpPr>
         <p:spPr>
           <a:xfrm>
-            <a:off x="387900" y="458025"/>
-            <a:ext cx="8368200" cy="686100"/>
+            <a:off x="460950" y="450025"/>
+            <a:ext cx="8222100" cy="907500"/>
           </a:xfrm>
           <a:prstGeom prst="rect">
             <a:avLst/>
@@ -7425,7 +7525,7 @@
           </a:bodyPr>
           <a:lstStyle/>
           <a:p>
-            <a:pPr indent="0" lvl="0" marL="0" rtl="0" algn="l">
+            <a:pPr indent="0" lvl="0" marL="0" rtl="0" algn="ctr">
               <a:spcBef>
                 <a:spcPts val="0"/>
               </a:spcBef>
@@ -7436,169 +7536,40 @@
             </a:pPr>
             <a:r>
               <a:rPr lang="en"/>
-              <a:t>Load and Train Model</a:t>
+              <a:t>The Labels</a:t>
             </a:r>
             <a:endParaRPr/>
           </a:p>
         </p:txBody>
       </p:sp>
-      <p:sp>
-        <p:nvSpPr>
+      <p:pic>
+        <p:nvPicPr>
           <p:cNvPr id="89" name="Google Shape;89;p17"/>
-          <p:cNvSpPr txBox="1"/>
-          <p:nvPr>
-            <p:ph idx="1" type="body"/>
-          </p:nvPr>
-        </p:nvSpPr>
+          <p:cNvPicPr preferRelativeResize="0"/>
+          <p:nvPr/>
+        </p:nvPicPr>
+        <p:blipFill>
+          <a:blip r:embed="rId3">
+            <a:alphaModFix/>
+          </a:blip>
+          <a:stretch>
+            <a:fillRect/>
+          </a:stretch>
+        </p:blipFill>
         <p:spPr>
           <a:xfrm>
-            <a:off x="387900" y="1489825"/>
-            <a:ext cx="7637700" cy="3078900"/>
+            <a:off x="1764063" y="1357525"/>
+            <a:ext cx="5615872" cy="3509924"/>
           </a:xfrm>
           <a:prstGeom prst="rect">
             <a:avLst/>
           </a:prstGeom>
+          <a:noFill/>
+          <a:ln>
+            <a:noFill/>
+          </a:ln>
         </p:spPr>
-        <p:txBody>
-          <a:bodyPr anchorCtr="0" anchor="t" bIns="91425" lIns="91425" spcFirstLastPara="1" rIns="91425" wrap="square" tIns="91425">
-            <a:noAutofit/>
-          </a:bodyPr>
-          <a:lstStyle/>
-          <a:p>
-            <a:pPr indent="-330200" lvl="0" marL="457200" rtl="0" algn="l">
-              <a:lnSpc>
-                <a:spcPct val="100000"/>
-              </a:lnSpc>
-              <a:spcBef>
-                <a:spcPts val="0"/>
-              </a:spcBef>
-              <a:spcAft>
-                <a:spcPts val="0"/>
-              </a:spcAft>
-              <a:buClr>
-                <a:srgbClr val="FFFFFF"/>
-              </a:buClr>
-              <a:buSzPts val="1600"/>
-              <a:buAutoNum type="arabicPeriod"/>
-            </a:pPr>
-            <a:r>
-              <a:rPr lang="en" sz="1600">
-                <a:solidFill>
-                  <a:srgbClr val="FFFFFF"/>
-                </a:solidFill>
-                <a:latin typeface="Arial"/>
-                <a:ea typeface="Arial"/>
-                <a:cs typeface="Arial"/>
-                <a:sym typeface="Arial"/>
-              </a:rPr>
-              <a:t>from sklearn import  linear_model, naive_bayes, metrics, svm</a:t>
-            </a:r>
-            <a:endParaRPr sz="1600">
-              <a:solidFill>
-                <a:srgbClr val="FFFFFF"/>
-              </a:solidFill>
-              <a:latin typeface="Arial"/>
-              <a:ea typeface="Arial"/>
-              <a:cs typeface="Arial"/>
-              <a:sym typeface="Arial"/>
-            </a:endParaRPr>
-          </a:p>
-          <a:p>
-            <a:pPr indent="0" lvl="0" marL="457200" rtl="0" algn="l">
-              <a:lnSpc>
-                <a:spcPct val="100000"/>
-              </a:lnSpc>
-              <a:spcBef>
-                <a:spcPts val="0"/>
-              </a:spcBef>
-              <a:spcAft>
-                <a:spcPts val="0"/>
-              </a:spcAft>
-              <a:buNone/>
-            </a:pPr>
-            <a:r>
-              <a:t/>
-            </a:r>
-            <a:endParaRPr sz="1600">
-              <a:solidFill>
-                <a:srgbClr val="FFFFFF"/>
-              </a:solidFill>
-              <a:latin typeface="Arial"/>
-              <a:ea typeface="Arial"/>
-              <a:cs typeface="Arial"/>
-              <a:sym typeface="Arial"/>
-            </a:endParaRPr>
-          </a:p>
-          <a:p>
-            <a:pPr indent="-330200" lvl="0" marL="457200" rtl="0" algn="l">
-              <a:spcBef>
-                <a:spcPts val="0"/>
-              </a:spcBef>
-              <a:spcAft>
-                <a:spcPts val="0"/>
-              </a:spcAft>
-              <a:buSzPts val="1600"/>
-              <a:buAutoNum type="arabicPeriod"/>
-            </a:pPr>
-            <a:r>
-              <a:rPr lang="en" sz="1600"/>
-              <a:t>from sklearn.model_selection import train_test_split </a:t>
-            </a:r>
-            <a:endParaRPr sz="1600"/>
-          </a:p>
-          <a:p>
-            <a:pPr indent="-330200" lvl="0" marL="457200" rtl="0" algn="l">
-              <a:spcBef>
-                <a:spcPts val="1600"/>
-              </a:spcBef>
-              <a:spcAft>
-                <a:spcPts val="0"/>
-              </a:spcAft>
-              <a:buSzPts val="1600"/>
-              <a:buAutoNum type="arabicPeriod"/>
-            </a:pPr>
-            <a:r>
-              <a:rPr lang="en" sz="1600"/>
-              <a:t>X_train, X_test, y_train, y_test = train_test_split(counts, df['topic'], test_size=0.33, random_state=0)</a:t>
-            </a:r>
-            <a:endParaRPr sz="1600"/>
-          </a:p>
-          <a:p>
-            <a:pPr indent="-330200" lvl="0" marL="457200" rtl="0" algn="l">
-              <a:spcBef>
-                <a:spcPts val="1600"/>
-              </a:spcBef>
-              <a:spcAft>
-                <a:spcPts val="0"/>
-              </a:spcAft>
-              <a:buSzPts val="1600"/>
-              <a:buAutoNum type="arabicPeriod"/>
-            </a:pPr>
-            <a:r>
-              <a:rPr lang="en" sz="1600"/>
-              <a:t>from sklearn.naive_bayes import MultinomialNB</a:t>
-            </a:r>
-            <a:endParaRPr sz="1600"/>
-          </a:p>
-          <a:p>
-            <a:pPr indent="-330200" lvl="0" marL="457200" rtl="0" algn="l">
-              <a:spcBef>
-                <a:spcPts val="1600"/>
-              </a:spcBef>
-              <a:spcAft>
-                <a:spcPts val="1600"/>
-              </a:spcAft>
-              <a:buSzPts val="1600"/>
-              <a:buAutoNum type="arabicPeriod"/>
-            </a:pPr>
-            <a:r>
-              <a:rPr lang="en" sz="1600"/>
-              <a:t>model = MultinomialNB().fit(X_train, y_train)</a:t>
-            </a:r>
-            <a:endParaRPr sz="1600"/>
-          </a:p>
-        </p:txBody>
-      </p:sp>
+      </p:pic>
     </p:spTree>
   </p:cSld>
   <p:clrMapOvr>
@@ -7634,8 +7605,8 @@
         </p:nvSpPr>
         <p:spPr>
           <a:xfrm>
-            <a:off x="549325" y="1132600"/>
-            <a:ext cx="8222100" cy="1205400"/>
+            <a:off x="387900" y="458025"/>
+            <a:ext cx="8368200" cy="686100"/>
           </a:xfrm>
           <a:prstGeom prst="rect">
             <a:avLst/>
@@ -7647,7 +7618,7 @@
           </a:bodyPr>
           <a:lstStyle/>
           <a:p>
-            <a:pPr indent="0" lvl="0" marL="0" rtl="0" algn="ctr">
+            <a:pPr indent="0" lvl="0" marL="0" rtl="0" algn="l">
               <a:spcBef>
                 <a:spcPts val="0"/>
               </a:spcBef>
@@ -7658,7 +7629,7 @@
             </a:pPr>
             <a:r>
               <a:rPr lang="en"/>
-              <a:t>Testing</a:t>
+              <a:t>Load and Train Model</a:t>
             </a:r>
             <a:endParaRPr/>
           </a:p>
@@ -7668,20 +7639,18 @@
         <p:nvSpPr>
           <p:cNvPr id="95" name="Google Shape;95;p18"/>
           <p:cNvSpPr txBox="1"/>
-          <p:nvPr/>
+          <p:nvPr>
+            <p:ph idx="1" type="body"/>
+          </p:nvPr>
         </p:nvSpPr>
         <p:spPr>
           <a:xfrm>
-            <a:off x="524100" y="3023775"/>
-            <a:ext cx="8095800" cy="1849500"/>
+            <a:off x="387900" y="1489825"/>
+            <a:ext cx="7637700" cy="3078900"/>
           </a:xfrm>
           <a:prstGeom prst="rect">
             <a:avLst/>
           </a:prstGeom>
-          <a:noFill/>
-          <a:ln>
-            <a:noFill/>
-          </a:ln>
         </p:spPr>
         <p:txBody>
           <a:bodyPr anchorCtr="0" anchor="t" bIns="91425" lIns="91425" spcFirstLastPara="1" rIns="91425" wrap="square" tIns="91425">
@@ -7689,9 +7658,9 @@
           </a:bodyPr>
           <a:lstStyle/>
           <a:p>
-            <a:pPr indent="0" lvl="0" marL="0" rtl="0" algn="l">
+            <a:pPr indent="-330200" lvl="0" marL="457200" rtl="0" algn="l">
               <a:lnSpc>
-                <a:spcPct val="115000"/>
+                <a:spcPct val="100000"/>
               </a:lnSpc>
               <a:spcBef>
                 <a:spcPts val="0"/>
@@ -7699,56 +7668,44 @@
               <a:spcAft>
                 <a:spcPts val="0"/>
               </a:spcAft>
-              <a:buNone/>
+              <a:buClr>
+                <a:srgbClr val="FFFFFF"/>
+              </a:buClr>
+              <a:buSzPts val="1600"/>
+              <a:buAutoNum type="arabicPeriod"/>
             </a:pPr>
             <a:r>
               <a:rPr lang="en" sz="1600">
                 <a:solidFill>
                   <a:srgbClr val="FFFFFF"/>
                 </a:solidFill>
+                <a:latin typeface="Arial"/>
+                <a:ea typeface="Arial"/>
+                <a:cs typeface="Arial"/>
+                <a:sym typeface="Arial"/>
               </a:rPr>
-              <a:t>Once the model is ready we need to test the model on untrained data so that we could get the efficiency of the model. On training the data we got a accuracy of 35 %, which is 12x greater than random prediction.</a:t>
+              <a:t>from sklearn import  linear_model, naive_bayes, metrics, svm</a:t>
             </a:r>
             <a:endParaRPr sz="1600">
               <a:solidFill>
                 <a:srgbClr val="FFFFFF"/>
               </a:solidFill>
+              <a:latin typeface="Arial"/>
+              <a:ea typeface="Arial"/>
+              <a:cs typeface="Arial"/>
+              <a:sym typeface="Arial"/>
             </a:endParaRPr>
           </a:p>
           <a:p>
-            <a:pPr indent="0" lvl="0" marL="0" rtl="0" algn="l">
-              <a:spcBef>
-                <a:spcPts val="2700"/>
-              </a:spcBef>
-              <a:spcAft>
-                <a:spcPts val="0"/>
-              </a:spcAft>
-              <a:buNone/>
-            </a:pPr>
-            <a:r>
-              <a:rPr lang="en" sz="1600">
-                <a:solidFill>
-                  <a:srgbClr val="FFFFFF"/>
-                </a:solidFill>
-              </a:rPr>
-              <a:t>predicted = model.predict(X_test)</a:t>
-            </a:r>
-            <a:endParaRPr sz="1600">
-              <a:solidFill>
-                <a:srgbClr val="FFFFFF"/>
-              </a:solidFill>
-            </a:endParaRPr>
-          </a:p>
-          <a:p>
-            <a:pPr indent="0" lvl="0" marL="0" rtl="0" algn="l">
+            <a:pPr indent="0" lvl="0" marL="457200" rtl="0" algn="l">
               <a:lnSpc>
-                <a:spcPct val="115000"/>
+                <a:spcPct val="100000"/>
               </a:lnSpc>
               <a:spcBef>
                 <a:spcPts val="0"/>
               </a:spcBef>
               <a:spcAft>
-                <a:spcPts val="2700"/>
+                <a:spcPts val="0"/>
               </a:spcAft>
               <a:buNone/>
             </a:pPr>
@@ -7759,7 +7716,79 @@
               <a:solidFill>
                 <a:srgbClr val="FFFFFF"/>
               </a:solidFill>
+              <a:latin typeface="Arial"/>
+              <a:ea typeface="Arial"/>
+              <a:cs typeface="Arial"/>
+              <a:sym typeface="Arial"/>
             </a:endParaRPr>
+          </a:p>
+          <a:p>
+            <a:pPr indent="-330200" lvl="0" marL="457200" rtl="0" algn="l">
+              <a:spcBef>
+                <a:spcPts val="0"/>
+              </a:spcBef>
+              <a:spcAft>
+                <a:spcPts val="0"/>
+              </a:spcAft>
+              <a:buSzPts val="1600"/>
+              <a:buAutoNum type="arabicPeriod"/>
+            </a:pPr>
+            <a:r>
+              <a:rPr lang="en" sz="1600"/>
+              <a:t>from sklearn.model_selection import train_test_split </a:t>
+            </a:r>
+            <a:endParaRPr sz="1600"/>
+          </a:p>
+          <a:p>
+            <a:pPr indent="-330200" lvl="0" marL="457200" rtl="0" algn="l">
+              <a:spcBef>
+                <a:spcPts val="1600"/>
+              </a:spcBef>
+              <a:spcAft>
+                <a:spcPts val="0"/>
+              </a:spcAft>
+              <a:buSzPts val="1600"/>
+              <a:buAutoNum type="arabicPeriod"/>
+            </a:pPr>
+            <a:r>
+              <a:rPr lang="en" sz="1600"/>
+              <a:t>X_train, X_test, y_train, y_test = train_test_split(counts, df['topic'], test_size=0.33, random_state=0)</a:t>
+            </a:r>
+            <a:endParaRPr sz="1600"/>
+          </a:p>
+          <a:p>
+            <a:pPr indent="-330200" lvl="0" marL="457200" rtl="0" algn="l">
+              <a:spcBef>
+                <a:spcPts val="1600"/>
+              </a:spcBef>
+              <a:spcAft>
+                <a:spcPts val="0"/>
+              </a:spcAft>
+              <a:buSzPts val="1600"/>
+              <a:buAutoNum type="arabicPeriod"/>
+            </a:pPr>
+            <a:r>
+              <a:rPr lang="en" sz="1600"/>
+              <a:t>from sklearn.naive_bayes import MultinomialNB</a:t>
+            </a:r>
+            <a:endParaRPr sz="1600"/>
+          </a:p>
+          <a:p>
+            <a:pPr indent="-330200" lvl="0" marL="457200" rtl="0" algn="l">
+              <a:spcBef>
+                <a:spcPts val="1600"/>
+              </a:spcBef>
+              <a:spcAft>
+                <a:spcPts val="1600"/>
+              </a:spcAft>
+              <a:buSzPts val="1600"/>
+              <a:buAutoNum type="arabicPeriod"/>
+            </a:pPr>
+            <a:r>
+              <a:rPr lang="en" sz="1600"/>
+              <a:t>model = MultinomialNB().fit(X_train, y_train)</a:t>
+            </a:r>
+            <a:endParaRPr sz="1600"/>
           </a:p>
         </p:txBody>
       </p:sp>
@@ -7798,8 +7827,8 @@
         </p:nvSpPr>
         <p:spPr>
           <a:xfrm>
-            <a:off x="460950" y="450025"/>
-            <a:ext cx="8222100" cy="907500"/>
+            <a:off x="549325" y="1132600"/>
+            <a:ext cx="8222100" cy="1205400"/>
           </a:xfrm>
           <a:prstGeom prst="rect">
             <a:avLst/>
@@ -7822,30 +7851,22 @@
             </a:pPr>
             <a:r>
               <a:rPr lang="en"/>
-              <a:t>The OUTPUT</a:t>
+              <a:t>Testing</a:t>
             </a:r>
             <a:endParaRPr/>
           </a:p>
         </p:txBody>
       </p:sp>
-      <p:pic>
-        <p:nvPicPr>
+      <p:sp>
+        <p:nvSpPr>
           <p:cNvPr id="101" name="Google Shape;101;p19"/>
-          <p:cNvPicPr preferRelativeResize="0"/>
+          <p:cNvSpPr txBox="1"/>
           <p:nvPr/>
-        </p:nvPicPr>
-        <p:blipFill>
-          <a:blip r:embed="rId3">
-            <a:alphaModFix/>
-          </a:blip>
-          <a:stretch>
-            <a:fillRect/>
-          </a:stretch>
-        </p:blipFill>
+        </p:nvSpPr>
         <p:spPr>
           <a:xfrm>
-            <a:off x="1665138" y="1357526"/>
-            <a:ext cx="5813722" cy="3633576"/>
+            <a:off x="524100" y="3023775"/>
+            <a:ext cx="8095800" cy="1849500"/>
           </a:xfrm>
           <a:prstGeom prst="rect">
             <a:avLst/>
@@ -7855,7 +7876,86 @@
             <a:noFill/>
           </a:ln>
         </p:spPr>
-      </p:pic>
+        <p:txBody>
+          <a:bodyPr anchorCtr="0" anchor="t" bIns="91425" lIns="91425" spcFirstLastPara="1" rIns="91425" wrap="square" tIns="91425">
+            <a:noAutofit/>
+          </a:bodyPr>
+          <a:lstStyle/>
+          <a:p>
+            <a:pPr indent="0" lvl="0" marL="0" rtl="0" algn="l">
+              <a:lnSpc>
+                <a:spcPct val="115000"/>
+              </a:lnSpc>
+              <a:spcBef>
+                <a:spcPts val="0"/>
+              </a:spcBef>
+              <a:spcAft>
+                <a:spcPts val="0"/>
+              </a:spcAft>
+              <a:buNone/>
+            </a:pPr>
+            <a:r>
+              <a:rPr lang="en" sz="1600">
+                <a:solidFill>
+                  <a:srgbClr val="FFFFFF"/>
+                </a:solidFill>
+              </a:rPr>
+              <a:t>Once the model is ready we need to test the model on untrained data so that we could get the efficiency of the model. On training the data we got a accuracy of 35 %, which is 12x greater than random prediction.</a:t>
+            </a:r>
+            <a:endParaRPr sz="1600">
+              <a:solidFill>
+                <a:srgbClr val="FFFFFF"/>
+              </a:solidFill>
+            </a:endParaRPr>
+          </a:p>
+          <a:p>
+            <a:pPr indent="0" lvl="0" marL="0" rtl="0" algn="l">
+              <a:spcBef>
+                <a:spcPts val="2700"/>
+              </a:spcBef>
+              <a:spcAft>
+                <a:spcPts val="0"/>
+              </a:spcAft>
+              <a:buNone/>
+            </a:pPr>
+            <a:r>
+              <a:rPr lang="en" sz="1600">
+                <a:solidFill>
+                  <a:srgbClr val="FFFFFF"/>
+                </a:solidFill>
+              </a:rPr>
+              <a:t>predicted = model.predict(X_test)</a:t>
+            </a:r>
+            <a:endParaRPr sz="1600">
+              <a:solidFill>
+                <a:srgbClr val="FFFFFF"/>
+              </a:solidFill>
+            </a:endParaRPr>
+          </a:p>
+          <a:p>
+            <a:pPr indent="0" lvl="0" marL="0" rtl="0" algn="l">
+              <a:lnSpc>
+                <a:spcPct val="115000"/>
+              </a:lnSpc>
+              <a:spcBef>
+                <a:spcPts val="0"/>
+              </a:spcBef>
+              <a:spcAft>
+                <a:spcPts val="2700"/>
+              </a:spcAft>
+              <a:buNone/>
+            </a:pPr>
+            <a:r>
+              <a:t/>
+            </a:r>
+            <a:endParaRPr sz="1600">
+              <a:solidFill>
+                <a:srgbClr val="FFFFFF"/>
+              </a:solidFill>
+            </a:endParaRPr>
+          </a:p>
+        </p:txBody>
+      </p:sp>
     </p:spTree>
   </p:cSld>
   <p:clrMapOvr>
@@ -7891,6 +7991,99 @@
         </p:nvSpPr>
         <p:spPr>
           <a:xfrm>
+            <a:off x="460950" y="450025"/>
+            <a:ext cx="8222100" cy="907500"/>
+          </a:xfrm>
+          <a:prstGeom prst="rect">
+            <a:avLst/>
+          </a:prstGeom>
+        </p:spPr>
+        <p:txBody>
+          <a:bodyPr anchorCtr="0" anchor="b" bIns="91425" lIns="91425" spcFirstLastPara="1" rIns="91425" wrap="square" tIns="91425">
+            <a:noAutofit/>
+          </a:bodyPr>
+          <a:lstStyle/>
+          <a:p>
+            <a:pPr indent="0" lvl="0" marL="0" rtl="0" algn="ctr">
+              <a:spcBef>
+                <a:spcPts val="0"/>
+              </a:spcBef>
+              <a:spcAft>
+                <a:spcPts val="0"/>
+              </a:spcAft>
+              <a:buNone/>
+            </a:pPr>
+            <a:r>
+              <a:rPr lang="en"/>
+              <a:t>The OUTPUT</a:t>
+            </a:r>
+            <a:endParaRPr/>
+          </a:p>
+        </p:txBody>
+      </p:sp>
+      <p:pic>
+        <p:nvPicPr>
+          <p:cNvPr id="107" name="Google Shape;107;p20"/>
+          <p:cNvPicPr preferRelativeResize="0"/>
+          <p:nvPr/>
+        </p:nvPicPr>
+        <p:blipFill>
+          <a:blip r:embed="rId3">
+            <a:alphaModFix/>
+          </a:blip>
+          <a:stretch>
+            <a:fillRect/>
+          </a:stretch>
+        </p:blipFill>
+        <p:spPr>
+          <a:xfrm>
+            <a:off x="1665138" y="1357526"/>
+            <a:ext cx="5813722" cy="3633576"/>
+          </a:xfrm>
+          <a:prstGeom prst="rect">
+            <a:avLst/>
+          </a:prstGeom>
+          <a:noFill/>
+          <a:ln>
+            <a:noFill/>
+          </a:ln>
+        </p:spPr>
+      </p:pic>
+    </p:spTree>
+  </p:cSld>
+  <p:clrMapOvr>
+    <a:masterClrMapping/>
+  </p:clrMapOvr>
+</p:sld>
+</file>
+
+<file path=ppt/slides/slide9.xml><?xml version="1.0" encoding="utf-8"?>
+<p:sld xmlns:a="http://schemas.openxmlformats.org/drawingml/2006/main" xmlns:r="http://schemas.openxmlformats.org/officeDocument/2006/relationships" xmlns:mc="http://schemas.openxmlformats.org/markup-compatibility/2006" xmlns:mv="urn:schemas-microsoft-com:mac:vml" xmlns:p="http://schemas.openxmlformats.org/presentationml/2006/main" xmlns:c="http://schemas.openxmlformats.org/drawingml/2006/chart" xmlns:dgm="http://schemas.openxmlformats.org/drawingml/2006/diagram" xmlns:o="urn:schemas-microsoft-com:office:office" xmlns:v="urn:schemas-microsoft-com:vml" xmlns:pvml="urn:schemas-microsoft-com:office:powerpoint" xmlns:com="http://schemas.openxmlformats.org/drawingml/2006/compatibility" xmlns:p14="http://schemas.microsoft.com/office/powerpoint/2010/main" xmlns:p15="http://schemas.microsoft.com/office/powerpoint/2012/main">
+  <p:cSld>
+    <p:spTree>
+      <p:nvGrpSpPr>
+        <p:cNvPr id="111" name="Shape 111"/>
+        <p:cNvGrpSpPr/>
+        <p:nvPr/>
+      </p:nvGrpSpPr>
+      <p:grpSpPr>
+        <a:xfrm>
+          <a:off x="0" y="0"/>
+          <a:ext cx="0" cy="0"/>
+          <a:chOff x="0" y="0"/>
+          <a:chExt cx="0" cy="0"/>
+        </a:xfrm>
+      </p:grpSpPr>
+      <p:sp>
+        <p:nvSpPr>
+          <p:cNvPr id="112" name="Google Shape;112;p21"/>
+          <p:cNvSpPr txBox="1"/>
+          <p:nvPr>
+            <p:ph type="title"/>
+          </p:nvPr>
+        </p:nvSpPr>
+        <p:spPr>
+          <a:xfrm>
             <a:off x="387900" y="458025"/>
             <a:ext cx="8368200" cy="686100"/>
           </a:xfrm>
@@ -7923,7 +8116,7 @@
       </p:sp>
       <p:sp>
         <p:nvSpPr>
-          <p:cNvPr id="107" name="Google Shape;107;p20"/>
+          <p:cNvPr id="113" name="Google Shape;113;p21"/>
           <p:cNvSpPr txBox="1"/>
           <p:nvPr>
             <p:ph idx="1" type="body"/>

--- a/display.pptx
+++ b/display.pptx
@@ -17,21 +17,25 @@
     <p:sldId id="262" r:id="rId12"/>
     <p:sldId id="263" r:id="rId13"/>
     <p:sldId id="264" r:id="rId14"/>
+    <p:sldId id="265" r:id="rId15"/>
+    <p:sldId id="266" r:id="rId16"/>
+    <p:sldId id="267" r:id="rId17"/>
+    <p:sldId id="268" r:id="rId18"/>
   </p:sldIdLst>
   <p:sldSz cy="5143500" cx="9144000"/>
   <p:notesSz cx="6858000" cy="9144000"/>
   <p:embeddedFontLst>
     <p:embeddedFont>
       <p:font typeface="Roboto Slab"/>
-      <p:regular r:id="rId15"/>
-      <p:bold r:id="rId16"/>
+      <p:regular r:id="rId19"/>
+      <p:bold r:id="rId20"/>
     </p:embeddedFont>
     <p:embeddedFont>
       <p:font typeface="Roboto"/>
-      <p:regular r:id="rId17"/>
-      <p:bold r:id="rId18"/>
-      <p:italic r:id="rId19"/>
-      <p:boldItalic r:id="rId20"/>
+      <p:regular r:id="rId21"/>
+      <p:bold r:id="rId22"/>
+      <p:italic r:id="rId23"/>
+      <p:boldItalic r:id="rId24"/>
     </p:embeddedFont>
   </p:embeddedFontLst>
   <p:defaultTextStyle>
@@ -805,6 +809,402 @@
 </p:notes>
 </file>
 
+<file path=ppt/notesSlides/notesSlide10.xml><?xml version="1.0" encoding="utf-8"?>
+<p:notes xmlns:a="http://schemas.openxmlformats.org/drawingml/2006/main" xmlns:r="http://schemas.openxmlformats.org/officeDocument/2006/relationships" xmlns:mc="http://schemas.openxmlformats.org/markup-compatibility/2006" xmlns:mv="urn:schemas-microsoft-com:mac:vml" xmlns:p="http://schemas.openxmlformats.org/presentationml/2006/main" xmlns:c="http://schemas.openxmlformats.org/drawingml/2006/chart" xmlns:dgm="http://schemas.openxmlformats.org/drawingml/2006/diagram" xmlns:o="urn:schemas-microsoft-com:office:office" xmlns:v="urn:schemas-microsoft-com:vml" xmlns:pvml="urn:schemas-microsoft-com:office:powerpoint" xmlns:com="http://schemas.openxmlformats.org/drawingml/2006/compatibility" xmlns:p14="http://schemas.microsoft.com/office/powerpoint/2010/main" xmlns:p15="http://schemas.microsoft.com/office/powerpoint/2012/main" showMasterPhAnim="0" showMasterSp="0">
+  <p:cSld>
+    <p:spTree>
+      <p:nvGrpSpPr>
+        <p:cNvPr id="114" name="Shape 114"/>
+        <p:cNvGrpSpPr/>
+        <p:nvPr/>
+      </p:nvGrpSpPr>
+      <p:grpSpPr>
+        <a:xfrm>
+          <a:off x="0" y="0"/>
+          <a:ext cx="0" cy="0"/>
+          <a:chOff x="0" y="0"/>
+          <a:chExt cx="0" cy="0"/>
+        </a:xfrm>
+      </p:grpSpPr>
+      <p:sp>
+        <p:nvSpPr>
+          <p:cNvPr id="115" name="Google Shape;115;g5239af4503_0_0:notes"/>
+          <p:cNvSpPr/>
+          <p:nvPr>
+            <p:ph idx="2" type="sldImg"/>
+          </p:nvPr>
+        </p:nvSpPr>
+        <p:spPr>
+          <a:xfrm>
+            <a:off x="381188" y="685800"/>
+            <a:ext cx="6096300" cy="3429000"/>
+          </a:xfrm>
+          <a:custGeom>
+            <a:rect b="b" l="l" r="r" t="t"/>
+            <a:pathLst>
+              <a:path extrusionOk="0" h="120000" w="120000">
+                <a:moveTo>
+                  <a:pt x="0" y="0"/>
+                </a:moveTo>
+                <a:lnTo>
+                  <a:pt x="120000" y="0"/>
+                </a:lnTo>
+                <a:lnTo>
+                  <a:pt x="120000" y="120000"/>
+                </a:lnTo>
+                <a:lnTo>
+                  <a:pt x="0" y="120000"/>
+                </a:lnTo>
+                <a:close/>
+              </a:path>
+            </a:pathLst>
+          </a:custGeom>
+        </p:spPr>
+      </p:sp>
+      <p:sp>
+        <p:nvSpPr>
+          <p:cNvPr id="116" name="Google Shape;116;g5239af4503_0_0:notes"/>
+          <p:cNvSpPr txBox="1"/>
+          <p:nvPr>
+            <p:ph idx="1" type="body"/>
+          </p:nvPr>
+        </p:nvSpPr>
+        <p:spPr>
+          <a:xfrm>
+            <a:off x="685800" y="4343400"/>
+            <a:ext cx="5486400" cy="4114800"/>
+          </a:xfrm>
+          <a:prstGeom prst="rect">
+            <a:avLst/>
+          </a:prstGeom>
+        </p:spPr>
+        <p:txBody>
+          <a:bodyPr anchorCtr="0" anchor="t" bIns="91425" lIns="91425" spcFirstLastPara="1" rIns="91425" wrap="square" tIns="91425">
+            <a:noAutofit/>
+          </a:bodyPr>
+          <a:lstStyle/>
+          <a:p>
+            <a:pPr indent="0" lvl="0" marL="0" rtl="0" algn="l">
+              <a:spcBef>
+                <a:spcPts val="0"/>
+              </a:spcBef>
+              <a:spcAft>
+                <a:spcPts val="0"/>
+              </a:spcAft>
+              <a:buNone/>
+            </a:pPr>
+            <a:r>
+              <a:t/>
+            </a:r>
+            <a:endParaRPr/>
+          </a:p>
+        </p:txBody>
+      </p:sp>
+    </p:spTree>
+  </p:cSld>
+  <p:clrMapOvr>
+    <a:masterClrMapping/>
+  </p:clrMapOvr>
+</p:notes>
+</file>
+
+<file path=ppt/notesSlides/notesSlide11.xml><?xml version="1.0" encoding="utf-8"?>
+<p:notes xmlns:a="http://schemas.openxmlformats.org/drawingml/2006/main" xmlns:r="http://schemas.openxmlformats.org/officeDocument/2006/relationships" xmlns:mc="http://schemas.openxmlformats.org/markup-compatibility/2006" xmlns:mv="urn:schemas-microsoft-com:mac:vml" xmlns:p="http://schemas.openxmlformats.org/presentationml/2006/main" xmlns:c="http://schemas.openxmlformats.org/drawingml/2006/chart" xmlns:dgm="http://schemas.openxmlformats.org/drawingml/2006/diagram" xmlns:o="urn:schemas-microsoft-com:office:office" xmlns:v="urn:schemas-microsoft-com:vml" xmlns:pvml="urn:schemas-microsoft-com:office:powerpoint" xmlns:com="http://schemas.openxmlformats.org/drawingml/2006/compatibility" xmlns:p14="http://schemas.microsoft.com/office/powerpoint/2010/main" xmlns:p15="http://schemas.microsoft.com/office/powerpoint/2012/main" showMasterPhAnim="0" showMasterSp="0">
+  <p:cSld>
+    <p:spTree>
+      <p:nvGrpSpPr>
+        <p:cNvPr id="120" name="Shape 120"/>
+        <p:cNvGrpSpPr/>
+        <p:nvPr/>
+      </p:nvGrpSpPr>
+      <p:grpSpPr>
+        <a:xfrm>
+          <a:off x="0" y="0"/>
+          <a:ext cx="0" cy="0"/>
+          <a:chOff x="0" y="0"/>
+          <a:chExt cx="0" cy="0"/>
+        </a:xfrm>
+      </p:grpSpPr>
+      <p:sp>
+        <p:nvSpPr>
+          <p:cNvPr id="121" name="Google Shape;121;g54e007550d_0_17:notes"/>
+          <p:cNvSpPr/>
+          <p:nvPr>
+            <p:ph idx="2" type="sldImg"/>
+          </p:nvPr>
+        </p:nvSpPr>
+        <p:spPr>
+          <a:xfrm>
+            <a:off x="381188" y="685800"/>
+            <a:ext cx="6096300" cy="3429000"/>
+          </a:xfrm>
+          <a:custGeom>
+            <a:rect b="b" l="l" r="r" t="t"/>
+            <a:pathLst>
+              <a:path extrusionOk="0" h="120000" w="120000">
+                <a:moveTo>
+                  <a:pt x="0" y="0"/>
+                </a:moveTo>
+                <a:lnTo>
+                  <a:pt x="120000" y="0"/>
+                </a:lnTo>
+                <a:lnTo>
+                  <a:pt x="120000" y="120000"/>
+                </a:lnTo>
+                <a:lnTo>
+                  <a:pt x="0" y="120000"/>
+                </a:lnTo>
+                <a:close/>
+              </a:path>
+            </a:pathLst>
+          </a:custGeom>
+        </p:spPr>
+      </p:sp>
+      <p:sp>
+        <p:nvSpPr>
+          <p:cNvPr id="122" name="Google Shape;122;g54e007550d_0_17:notes"/>
+          <p:cNvSpPr txBox="1"/>
+          <p:nvPr>
+            <p:ph idx="1" type="body"/>
+          </p:nvPr>
+        </p:nvSpPr>
+        <p:spPr>
+          <a:xfrm>
+            <a:off x="685800" y="4343400"/>
+            <a:ext cx="5486400" cy="4114800"/>
+          </a:xfrm>
+          <a:prstGeom prst="rect">
+            <a:avLst/>
+          </a:prstGeom>
+        </p:spPr>
+        <p:txBody>
+          <a:bodyPr anchorCtr="0" anchor="t" bIns="91425" lIns="91425" spcFirstLastPara="1" rIns="91425" wrap="square" tIns="91425">
+            <a:noAutofit/>
+          </a:bodyPr>
+          <a:lstStyle/>
+          <a:p>
+            <a:pPr indent="0" lvl="0" marL="0" rtl="0" algn="l">
+              <a:spcBef>
+                <a:spcPts val="0"/>
+              </a:spcBef>
+              <a:spcAft>
+                <a:spcPts val="0"/>
+              </a:spcAft>
+              <a:buNone/>
+            </a:pPr>
+            <a:r>
+              <a:t/>
+            </a:r>
+            <a:endParaRPr/>
+          </a:p>
+        </p:txBody>
+      </p:sp>
+    </p:spTree>
+  </p:cSld>
+  <p:clrMapOvr>
+    <a:masterClrMapping/>
+  </p:clrMapOvr>
+</p:notes>
+</file>
+
+<file path=ppt/notesSlides/notesSlide12.xml><?xml version="1.0" encoding="utf-8"?>
+<p:notes xmlns:a="http://schemas.openxmlformats.org/drawingml/2006/main" xmlns:r="http://schemas.openxmlformats.org/officeDocument/2006/relationships" xmlns:mc="http://schemas.openxmlformats.org/markup-compatibility/2006" xmlns:mv="urn:schemas-microsoft-com:mac:vml" xmlns:p="http://schemas.openxmlformats.org/presentationml/2006/main" xmlns:c="http://schemas.openxmlformats.org/drawingml/2006/chart" xmlns:dgm="http://schemas.openxmlformats.org/drawingml/2006/diagram" xmlns:o="urn:schemas-microsoft-com:office:office" xmlns:v="urn:schemas-microsoft-com:vml" xmlns:pvml="urn:schemas-microsoft-com:office:powerpoint" xmlns:com="http://schemas.openxmlformats.org/drawingml/2006/compatibility" xmlns:p14="http://schemas.microsoft.com/office/powerpoint/2010/main" xmlns:p15="http://schemas.microsoft.com/office/powerpoint/2012/main" showMasterPhAnim="0" showMasterSp="0">
+  <p:cSld>
+    <p:spTree>
+      <p:nvGrpSpPr>
+        <p:cNvPr id="126" name="Shape 126"/>
+        <p:cNvGrpSpPr/>
+        <p:nvPr/>
+      </p:nvGrpSpPr>
+      <p:grpSpPr>
+        <a:xfrm>
+          <a:off x="0" y="0"/>
+          <a:ext cx="0" cy="0"/>
+          <a:chOff x="0" y="0"/>
+          <a:chExt cx="0" cy="0"/>
+        </a:xfrm>
+      </p:grpSpPr>
+      <p:sp>
+        <p:nvSpPr>
+          <p:cNvPr id="127" name="Google Shape;127;g54e007550d_0_48:notes"/>
+          <p:cNvSpPr/>
+          <p:nvPr>
+            <p:ph idx="2" type="sldImg"/>
+          </p:nvPr>
+        </p:nvSpPr>
+        <p:spPr>
+          <a:xfrm>
+            <a:off x="381188" y="685800"/>
+            <a:ext cx="6096300" cy="3429000"/>
+          </a:xfrm>
+          <a:custGeom>
+            <a:rect b="b" l="l" r="r" t="t"/>
+            <a:pathLst>
+              <a:path extrusionOk="0" h="120000" w="120000">
+                <a:moveTo>
+                  <a:pt x="0" y="0"/>
+                </a:moveTo>
+                <a:lnTo>
+                  <a:pt x="120000" y="0"/>
+                </a:lnTo>
+                <a:lnTo>
+                  <a:pt x="120000" y="120000"/>
+                </a:lnTo>
+                <a:lnTo>
+                  <a:pt x="0" y="120000"/>
+                </a:lnTo>
+                <a:close/>
+              </a:path>
+            </a:pathLst>
+          </a:custGeom>
+        </p:spPr>
+      </p:sp>
+      <p:sp>
+        <p:nvSpPr>
+          <p:cNvPr id="128" name="Google Shape;128;g54e007550d_0_48:notes"/>
+          <p:cNvSpPr txBox="1"/>
+          <p:nvPr>
+            <p:ph idx="1" type="body"/>
+          </p:nvPr>
+        </p:nvSpPr>
+        <p:spPr>
+          <a:xfrm>
+            <a:off x="685800" y="4343400"/>
+            <a:ext cx="5486400" cy="4114800"/>
+          </a:xfrm>
+          <a:prstGeom prst="rect">
+            <a:avLst/>
+          </a:prstGeom>
+        </p:spPr>
+        <p:txBody>
+          <a:bodyPr anchorCtr="0" anchor="t" bIns="91425" lIns="91425" spcFirstLastPara="1" rIns="91425" wrap="square" tIns="91425">
+            <a:noAutofit/>
+          </a:bodyPr>
+          <a:lstStyle/>
+          <a:p>
+            <a:pPr indent="0" lvl="0" marL="0" rtl="0" algn="l">
+              <a:spcBef>
+                <a:spcPts val="0"/>
+              </a:spcBef>
+              <a:spcAft>
+                <a:spcPts val="0"/>
+              </a:spcAft>
+              <a:buNone/>
+            </a:pPr>
+            <a:r>
+              <a:t/>
+            </a:r>
+            <a:endParaRPr/>
+          </a:p>
+        </p:txBody>
+      </p:sp>
+    </p:spTree>
+  </p:cSld>
+  <p:clrMapOvr>
+    <a:masterClrMapping/>
+  </p:clrMapOvr>
+</p:notes>
+</file>
+
+<file path=ppt/notesSlides/notesSlide13.xml><?xml version="1.0" encoding="utf-8"?>
+<p:notes xmlns:a="http://schemas.openxmlformats.org/drawingml/2006/main" xmlns:r="http://schemas.openxmlformats.org/officeDocument/2006/relationships" xmlns:mc="http://schemas.openxmlformats.org/markup-compatibility/2006" xmlns:mv="urn:schemas-microsoft-com:mac:vml" xmlns:p="http://schemas.openxmlformats.org/presentationml/2006/main" xmlns:c="http://schemas.openxmlformats.org/drawingml/2006/chart" xmlns:dgm="http://schemas.openxmlformats.org/drawingml/2006/diagram" xmlns:o="urn:schemas-microsoft-com:office:office" xmlns:v="urn:schemas-microsoft-com:vml" xmlns:pvml="urn:schemas-microsoft-com:office:powerpoint" xmlns:com="http://schemas.openxmlformats.org/drawingml/2006/compatibility" xmlns:p14="http://schemas.microsoft.com/office/powerpoint/2010/main" xmlns:p15="http://schemas.microsoft.com/office/powerpoint/2012/main" showMasterPhAnim="0" showMasterSp="0">
+  <p:cSld>
+    <p:spTree>
+      <p:nvGrpSpPr>
+        <p:cNvPr id="132" name="Shape 132"/>
+        <p:cNvGrpSpPr/>
+        <p:nvPr/>
+      </p:nvGrpSpPr>
+      <p:grpSpPr>
+        <a:xfrm>
+          <a:off x="0" y="0"/>
+          <a:ext cx="0" cy="0"/>
+          <a:chOff x="0" y="0"/>
+          <a:chExt cx="0" cy="0"/>
+        </a:xfrm>
+      </p:grpSpPr>
+      <p:sp>
+        <p:nvSpPr>
+          <p:cNvPr id="133" name="Google Shape;133;g54e007550d_0_54:notes"/>
+          <p:cNvSpPr/>
+          <p:nvPr>
+            <p:ph idx="2" type="sldImg"/>
+          </p:nvPr>
+        </p:nvSpPr>
+        <p:spPr>
+          <a:xfrm>
+            <a:off x="381188" y="685800"/>
+            <a:ext cx="6096300" cy="3429000"/>
+          </a:xfrm>
+          <a:custGeom>
+            <a:rect b="b" l="l" r="r" t="t"/>
+            <a:pathLst>
+              <a:path extrusionOk="0" h="120000" w="120000">
+                <a:moveTo>
+                  <a:pt x="0" y="0"/>
+                </a:moveTo>
+                <a:lnTo>
+                  <a:pt x="120000" y="0"/>
+                </a:lnTo>
+                <a:lnTo>
+                  <a:pt x="120000" y="120000"/>
+                </a:lnTo>
+                <a:lnTo>
+                  <a:pt x="0" y="120000"/>
+                </a:lnTo>
+                <a:close/>
+              </a:path>
+            </a:pathLst>
+          </a:custGeom>
+        </p:spPr>
+      </p:sp>
+      <p:sp>
+        <p:nvSpPr>
+          <p:cNvPr id="134" name="Google Shape;134;g54e007550d_0_54:notes"/>
+          <p:cNvSpPr txBox="1"/>
+          <p:nvPr>
+            <p:ph idx="1" type="body"/>
+          </p:nvPr>
+        </p:nvSpPr>
+        <p:spPr>
+          <a:xfrm>
+            <a:off x="685800" y="4343400"/>
+            <a:ext cx="5486400" cy="4114800"/>
+          </a:xfrm>
+          <a:prstGeom prst="rect">
+            <a:avLst/>
+          </a:prstGeom>
+        </p:spPr>
+        <p:txBody>
+          <a:bodyPr anchorCtr="0" anchor="t" bIns="91425" lIns="91425" spcFirstLastPara="1" rIns="91425" wrap="square" tIns="91425">
+            <a:noAutofit/>
+          </a:bodyPr>
+          <a:lstStyle/>
+          <a:p>
+            <a:pPr indent="0" lvl="0" marL="0" rtl="0" algn="l">
+              <a:spcBef>
+                <a:spcPts val="0"/>
+              </a:spcBef>
+              <a:spcAft>
+                <a:spcPts val="0"/>
+              </a:spcAft>
+              <a:buNone/>
+            </a:pPr>
+            <a:r>
+              <a:t/>
+            </a:r>
+            <a:endParaRPr/>
+          </a:p>
+        </p:txBody>
+      </p:sp>
+    </p:spTree>
+  </p:cSld>
+  <p:clrMapOvr>
+    <a:masterClrMapping/>
+  </p:clrMapOvr>
+</p:notes>
+</file>
+
 <file path=ppt/notesSlides/notesSlide2.xml><?xml version="1.0" encoding="utf-8"?>
 <p:notes xmlns:a="http://schemas.openxmlformats.org/drawingml/2006/main" xmlns:r="http://schemas.openxmlformats.org/officeDocument/2006/relationships" xmlns:mc="http://schemas.openxmlformats.org/markup-compatibility/2006" xmlns:mv="urn:schemas-microsoft-com:mac:vml" xmlns:p="http://schemas.openxmlformats.org/presentationml/2006/main" xmlns:c="http://schemas.openxmlformats.org/drawingml/2006/chart" xmlns:dgm="http://schemas.openxmlformats.org/drawingml/2006/diagram" xmlns:o="urn:schemas-microsoft-com:office:office" xmlns:v="urn:schemas-microsoft-com:vml" xmlns:pvml="urn:schemas-microsoft-com:office:powerpoint" xmlns:com="http://schemas.openxmlformats.org/drawingml/2006/compatibility" xmlns:p14="http://schemas.microsoft.com/office/powerpoint/2010/main" xmlns:p15="http://schemas.microsoft.com/office/powerpoint/2012/main" showMasterPhAnim="0" showMasterSp="0">
   <p:cSld>
@@ -1220,7 +1620,7 @@
       </p:grpSpPr>
       <p:sp>
         <p:nvSpPr>
-          <p:cNvPr id="91" name="Google Shape;91;gc6f90357f_0_19:notes"/>
+          <p:cNvPr id="91" name="Google Shape;91;g54e007550d_0_0:notes"/>
           <p:cNvSpPr/>
           <p:nvPr>
             <p:ph idx="2" type="sldImg"/>
@@ -1255,7 +1655,7 @@
       </p:sp>
       <p:sp>
         <p:nvSpPr>
-          <p:cNvPr id="92" name="Google Shape;92;gc6f90357f_0_19:notes"/>
+          <p:cNvPr id="92" name="Google Shape;92;g54e007550d_0_0:notes"/>
           <p:cNvSpPr txBox="1"/>
           <p:nvPr>
             <p:ph idx="1" type="body"/>
@@ -1319,7 +1719,7 @@
       </p:grpSpPr>
       <p:sp>
         <p:nvSpPr>
-          <p:cNvPr id="97" name="Google Shape;97;g5239af4503_0_13:notes"/>
+          <p:cNvPr id="97" name="Google Shape;97;gc6f90357f_0_19:notes"/>
           <p:cNvSpPr/>
           <p:nvPr>
             <p:ph idx="2" type="sldImg"/>
@@ -1354,7 +1754,7 @@
       </p:sp>
       <p:sp>
         <p:nvSpPr>
-          <p:cNvPr id="98" name="Google Shape;98;g5239af4503_0_13:notes"/>
+          <p:cNvPr id="98" name="Google Shape;98;gc6f90357f_0_19:notes"/>
           <p:cNvSpPr txBox="1"/>
           <p:nvPr>
             <p:ph idx="1" type="body"/>
@@ -1418,7 +1818,7 @@
       </p:grpSpPr>
       <p:sp>
         <p:nvSpPr>
-          <p:cNvPr id="103" name="Google Shape;103;g5239af4503_0_0:notes"/>
+          <p:cNvPr id="103" name="Google Shape;103;g54e007550d_0_6:notes"/>
           <p:cNvSpPr/>
           <p:nvPr>
             <p:ph idx="2" type="sldImg"/>
@@ -1453,7 +1853,7 @@
       </p:sp>
       <p:sp>
         <p:nvSpPr>
-          <p:cNvPr id="104" name="Google Shape;104;g5239af4503_0_0:notes"/>
+          <p:cNvPr id="104" name="Google Shape;104;g54e007550d_0_6:notes"/>
           <p:cNvSpPr txBox="1"/>
           <p:nvPr>
             <p:ph idx="1" type="body"/>
@@ -1517,7 +1917,7 @@
       </p:grpSpPr>
       <p:sp>
         <p:nvSpPr>
-          <p:cNvPr id="109" name="Google Shape;109;gc6f90357f_0_47:notes"/>
+          <p:cNvPr id="109" name="Google Shape;109;g5239af4503_0_13:notes"/>
           <p:cNvSpPr/>
           <p:nvPr>
             <p:ph idx="2" type="sldImg"/>
@@ -1552,7 +1952,7 @@
       </p:sp>
       <p:sp>
         <p:nvSpPr>
-          <p:cNvPr id="110" name="Google Shape;110;gc6f90357f_0_47:notes"/>
+          <p:cNvPr id="110" name="Google Shape;110;g5239af4503_0_13:notes"/>
           <p:cNvSpPr txBox="1"/>
           <p:nvPr>
             <p:ph idx="1" type="body"/>
@@ -6970,6 +7370,578 @@
 </p:sld>
 </file>
 
+<file path=ppt/slides/slide10.xml><?xml version="1.0" encoding="utf-8"?>
+<p:sld xmlns:a="http://schemas.openxmlformats.org/drawingml/2006/main" xmlns:r="http://schemas.openxmlformats.org/officeDocument/2006/relationships" xmlns:mc="http://schemas.openxmlformats.org/markup-compatibility/2006" xmlns:mv="urn:schemas-microsoft-com:mac:vml" xmlns:p="http://schemas.openxmlformats.org/presentationml/2006/main" xmlns:c="http://schemas.openxmlformats.org/drawingml/2006/chart" xmlns:dgm="http://schemas.openxmlformats.org/drawingml/2006/diagram" xmlns:o="urn:schemas-microsoft-com:office:office" xmlns:v="urn:schemas-microsoft-com:vml" xmlns:pvml="urn:schemas-microsoft-com:office:powerpoint" xmlns:com="http://schemas.openxmlformats.org/drawingml/2006/compatibility" xmlns:p14="http://schemas.microsoft.com/office/powerpoint/2010/main" xmlns:p15="http://schemas.microsoft.com/office/powerpoint/2012/main">
+  <p:cSld>
+    <p:spTree>
+      <p:nvGrpSpPr>
+        <p:cNvPr id="117" name="Shape 117"/>
+        <p:cNvGrpSpPr/>
+        <p:nvPr/>
+      </p:nvGrpSpPr>
+      <p:grpSpPr>
+        <a:xfrm>
+          <a:off x="0" y="0"/>
+          <a:ext cx="0" cy="0"/>
+          <a:chOff x="0" y="0"/>
+          <a:chExt cx="0" cy="0"/>
+        </a:xfrm>
+      </p:grpSpPr>
+      <p:sp>
+        <p:nvSpPr>
+          <p:cNvPr id="118" name="Google Shape;118;p22"/>
+          <p:cNvSpPr txBox="1"/>
+          <p:nvPr>
+            <p:ph type="title"/>
+          </p:nvPr>
+        </p:nvSpPr>
+        <p:spPr>
+          <a:xfrm>
+            <a:off x="460950" y="450025"/>
+            <a:ext cx="8222100" cy="907500"/>
+          </a:xfrm>
+          <a:prstGeom prst="rect">
+            <a:avLst/>
+          </a:prstGeom>
+        </p:spPr>
+        <p:txBody>
+          <a:bodyPr anchorCtr="0" anchor="b" bIns="91425" lIns="91425" spcFirstLastPara="1" rIns="91425" wrap="square" tIns="91425">
+            <a:noAutofit/>
+          </a:bodyPr>
+          <a:lstStyle/>
+          <a:p>
+            <a:pPr indent="0" lvl="0" marL="0" rtl="0" algn="ctr">
+              <a:spcBef>
+                <a:spcPts val="0"/>
+              </a:spcBef>
+              <a:spcAft>
+                <a:spcPts val="0"/>
+              </a:spcAft>
+              <a:buNone/>
+            </a:pPr>
+            <a:r>
+              <a:rPr lang="en"/>
+              <a:t>Initial Confusion Matrix</a:t>
+            </a:r>
+            <a:endParaRPr/>
+          </a:p>
+        </p:txBody>
+      </p:sp>
+      <p:pic>
+        <p:nvPicPr>
+          <p:cNvPr id="119" name="Google Shape;119;p22"/>
+          <p:cNvPicPr preferRelativeResize="0"/>
+          <p:nvPr/>
+        </p:nvPicPr>
+        <p:blipFill>
+          <a:blip r:embed="rId3">
+            <a:alphaModFix/>
+          </a:blip>
+          <a:stretch>
+            <a:fillRect/>
+          </a:stretch>
+        </p:blipFill>
+        <p:spPr>
+          <a:xfrm>
+            <a:off x="1665138" y="1357526"/>
+            <a:ext cx="5813722" cy="3633576"/>
+          </a:xfrm>
+          <a:prstGeom prst="rect">
+            <a:avLst/>
+          </a:prstGeom>
+          <a:noFill/>
+          <a:ln>
+            <a:noFill/>
+          </a:ln>
+        </p:spPr>
+      </p:pic>
+    </p:spTree>
+  </p:cSld>
+  <p:clrMapOvr>
+    <a:masterClrMapping/>
+  </p:clrMapOvr>
+</p:sld>
+</file>
+
+<file path=ppt/slides/slide11.xml><?xml version="1.0" encoding="utf-8"?>
+<p:sld xmlns:a="http://schemas.openxmlformats.org/drawingml/2006/main" xmlns:r="http://schemas.openxmlformats.org/officeDocument/2006/relationships" xmlns:mc="http://schemas.openxmlformats.org/markup-compatibility/2006" xmlns:mv="urn:schemas-microsoft-com:mac:vml" xmlns:p="http://schemas.openxmlformats.org/presentationml/2006/main" xmlns:c="http://schemas.openxmlformats.org/drawingml/2006/chart" xmlns:dgm="http://schemas.openxmlformats.org/drawingml/2006/diagram" xmlns:o="urn:schemas-microsoft-com:office:office" xmlns:v="urn:schemas-microsoft-com:vml" xmlns:pvml="urn:schemas-microsoft-com:office:powerpoint" xmlns:com="http://schemas.openxmlformats.org/drawingml/2006/compatibility" xmlns:p14="http://schemas.microsoft.com/office/powerpoint/2010/main" xmlns:p15="http://schemas.microsoft.com/office/powerpoint/2012/main">
+  <p:cSld>
+    <p:spTree>
+      <p:nvGrpSpPr>
+        <p:cNvPr id="123" name="Shape 123"/>
+        <p:cNvGrpSpPr/>
+        <p:nvPr/>
+      </p:nvGrpSpPr>
+      <p:grpSpPr>
+        <a:xfrm>
+          <a:off x="0" y="0"/>
+          <a:ext cx="0" cy="0"/>
+          <a:chOff x="0" y="0"/>
+          <a:chExt cx="0" cy="0"/>
+        </a:xfrm>
+      </p:grpSpPr>
+      <p:sp>
+        <p:nvSpPr>
+          <p:cNvPr id="124" name="Google Shape;124;p23"/>
+          <p:cNvSpPr txBox="1"/>
+          <p:nvPr>
+            <p:ph type="title"/>
+          </p:nvPr>
+        </p:nvSpPr>
+        <p:spPr>
+          <a:xfrm>
+            <a:off x="460950" y="450025"/>
+            <a:ext cx="8222100" cy="907500"/>
+          </a:xfrm>
+          <a:prstGeom prst="rect">
+            <a:avLst/>
+          </a:prstGeom>
+        </p:spPr>
+        <p:txBody>
+          <a:bodyPr anchorCtr="0" anchor="b" bIns="91425" lIns="91425" spcFirstLastPara="1" rIns="91425" wrap="square" tIns="91425">
+            <a:noAutofit/>
+          </a:bodyPr>
+          <a:lstStyle/>
+          <a:p>
+            <a:pPr indent="0" lvl="0" marL="0" rtl="0" algn="ctr">
+              <a:spcBef>
+                <a:spcPts val="0"/>
+              </a:spcBef>
+              <a:spcAft>
+                <a:spcPts val="0"/>
+              </a:spcAft>
+              <a:buNone/>
+            </a:pPr>
+            <a:r>
+              <a:rPr lang="en"/>
+              <a:t>NE Generation</a:t>
+            </a:r>
+            <a:endParaRPr/>
+          </a:p>
+        </p:txBody>
+      </p:sp>
+      <p:pic>
+        <p:nvPicPr>
+          <p:cNvPr id="125" name="Google Shape;125;p23"/>
+          <p:cNvPicPr preferRelativeResize="0"/>
+          <p:nvPr/>
+        </p:nvPicPr>
+        <p:blipFill>
+          <a:blip r:embed="rId3">
+            <a:alphaModFix/>
+          </a:blip>
+          <a:stretch>
+            <a:fillRect/>
+          </a:stretch>
+        </p:blipFill>
+        <p:spPr>
+          <a:xfrm>
+            <a:off x="1477625" y="1509925"/>
+            <a:ext cx="6188755" cy="3481175"/>
+          </a:xfrm>
+          <a:prstGeom prst="rect">
+            <a:avLst/>
+          </a:prstGeom>
+          <a:noFill/>
+          <a:ln>
+            <a:noFill/>
+          </a:ln>
+        </p:spPr>
+      </p:pic>
+    </p:spTree>
+  </p:cSld>
+  <p:clrMapOvr>
+    <a:masterClrMapping/>
+  </p:clrMapOvr>
+</p:sld>
+</file>
+
+<file path=ppt/slides/slide12.xml><?xml version="1.0" encoding="utf-8"?>
+<p:sld xmlns:a="http://schemas.openxmlformats.org/drawingml/2006/main" xmlns:r="http://schemas.openxmlformats.org/officeDocument/2006/relationships" xmlns:mc="http://schemas.openxmlformats.org/markup-compatibility/2006" xmlns:mv="urn:schemas-microsoft-com:mac:vml" xmlns:p="http://schemas.openxmlformats.org/presentationml/2006/main" xmlns:c="http://schemas.openxmlformats.org/drawingml/2006/chart" xmlns:dgm="http://schemas.openxmlformats.org/drawingml/2006/diagram" xmlns:o="urn:schemas-microsoft-com:office:office" xmlns:v="urn:schemas-microsoft-com:vml" xmlns:pvml="urn:schemas-microsoft-com:office:powerpoint" xmlns:com="http://schemas.openxmlformats.org/drawingml/2006/compatibility" xmlns:p14="http://schemas.microsoft.com/office/powerpoint/2010/main" xmlns:p15="http://schemas.microsoft.com/office/powerpoint/2012/main">
+  <p:cSld>
+    <p:spTree>
+      <p:nvGrpSpPr>
+        <p:cNvPr id="129" name="Shape 129"/>
+        <p:cNvGrpSpPr/>
+        <p:nvPr/>
+      </p:nvGrpSpPr>
+      <p:grpSpPr>
+        <a:xfrm>
+          <a:off x="0" y="0"/>
+          <a:ext cx="0" cy="0"/>
+          <a:chOff x="0" y="0"/>
+          <a:chExt cx="0" cy="0"/>
+        </a:xfrm>
+      </p:grpSpPr>
+      <p:sp>
+        <p:nvSpPr>
+          <p:cNvPr id="130" name="Google Shape;130;p24"/>
+          <p:cNvSpPr txBox="1"/>
+          <p:nvPr>
+            <p:ph type="title"/>
+          </p:nvPr>
+        </p:nvSpPr>
+        <p:spPr>
+          <a:xfrm>
+            <a:off x="460950" y="450025"/>
+            <a:ext cx="8222100" cy="907500"/>
+          </a:xfrm>
+          <a:prstGeom prst="rect">
+            <a:avLst/>
+          </a:prstGeom>
+        </p:spPr>
+        <p:txBody>
+          <a:bodyPr anchorCtr="0" anchor="b" bIns="91425" lIns="91425" spcFirstLastPara="1" rIns="91425" wrap="square" tIns="91425">
+            <a:noAutofit/>
+          </a:bodyPr>
+          <a:lstStyle/>
+          <a:p>
+            <a:pPr indent="0" lvl="0" marL="0" rtl="0" algn="ctr">
+              <a:spcBef>
+                <a:spcPts val="0"/>
+              </a:spcBef>
+              <a:spcAft>
+                <a:spcPts val="0"/>
+              </a:spcAft>
+              <a:buNone/>
+            </a:pPr>
+            <a:r>
+              <a:rPr lang="en"/>
+              <a:t>Final</a:t>
+            </a:r>
+            <a:r>
+              <a:rPr lang="en"/>
+              <a:t> Confusion Matrix</a:t>
+            </a:r>
+            <a:endParaRPr/>
+          </a:p>
+        </p:txBody>
+      </p:sp>
+      <p:pic>
+        <p:nvPicPr>
+          <p:cNvPr id="131" name="Google Shape;131;p24"/>
+          <p:cNvPicPr preferRelativeResize="0"/>
+          <p:nvPr/>
+        </p:nvPicPr>
+        <p:blipFill>
+          <a:blip r:embed="rId3">
+            <a:alphaModFix/>
+          </a:blip>
+          <a:stretch>
+            <a:fillRect/>
+          </a:stretch>
+        </p:blipFill>
+        <p:spPr>
+          <a:xfrm>
+            <a:off x="2809212" y="1536575"/>
+            <a:ext cx="3525575" cy="3189800"/>
+          </a:xfrm>
+          <a:prstGeom prst="rect">
+            <a:avLst/>
+          </a:prstGeom>
+          <a:noFill/>
+          <a:ln>
+            <a:noFill/>
+          </a:ln>
+        </p:spPr>
+      </p:pic>
+    </p:spTree>
+  </p:cSld>
+  <p:clrMapOvr>
+    <a:masterClrMapping/>
+  </p:clrMapOvr>
+</p:sld>
+</file>
+
+<file path=ppt/slides/slide13.xml><?xml version="1.0" encoding="utf-8"?>
+<p:sld xmlns:a="http://schemas.openxmlformats.org/drawingml/2006/main" xmlns:r="http://schemas.openxmlformats.org/officeDocument/2006/relationships" xmlns:mc="http://schemas.openxmlformats.org/markup-compatibility/2006" xmlns:mv="urn:schemas-microsoft-com:mac:vml" xmlns:p="http://schemas.openxmlformats.org/presentationml/2006/main" xmlns:c="http://schemas.openxmlformats.org/drawingml/2006/chart" xmlns:dgm="http://schemas.openxmlformats.org/drawingml/2006/diagram" xmlns:o="urn:schemas-microsoft-com:office:office" xmlns:v="urn:schemas-microsoft-com:vml" xmlns:pvml="urn:schemas-microsoft-com:office:powerpoint" xmlns:com="http://schemas.openxmlformats.org/drawingml/2006/compatibility" xmlns:p14="http://schemas.microsoft.com/office/powerpoint/2010/main" xmlns:p15="http://schemas.microsoft.com/office/powerpoint/2012/main">
+  <p:cSld>
+    <p:spTree>
+      <p:nvGrpSpPr>
+        <p:cNvPr id="135" name="Shape 135"/>
+        <p:cNvGrpSpPr/>
+        <p:nvPr/>
+      </p:nvGrpSpPr>
+      <p:grpSpPr>
+        <a:xfrm>
+          <a:off x="0" y="0"/>
+          <a:ext cx="0" cy="0"/>
+          <a:chOff x="0" y="0"/>
+          <a:chExt cx="0" cy="0"/>
+        </a:xfrm>
+      </p:grpSpPr>
+      <p:sp>
+        <p:nvSpPr>
+          <p:cNvPr id="136" name="Google Shape;136;p25"/>
+          <p:cNvSpPr txBox="1"/>
+          <p:nvPr>
+            <p:ph type="title"/>
+          </p:nvPr>
+        </p:nvSpPr>
+        <p:spPr>
+          <a:xfrm>
+            <a:off x="387900" y="458025"/>
+            <a:ext cx="8368200" cy="686100"/>
+          </a:xfrm>
+          <a:prstGeom prst="rect">
+            <a:avLst/>
+          </a:prstGeom>
+        </p:spPr>
+        <p:txBody>
+          <a:bodyPr anchorCtr="0" anchor="b" bIns="91425" lIns="91425" spcFirstLastPara="1" rIns="91425" wrap="square" tIns="91425">
+            <a:noAutofit/>
+          </a:bodyPr>
+          <a:lstStyle/>
+          <a:p>
+            <a:pPr indent="0" lvl="0" marL="0" rtl="0" algn="l">
+              <a:spcBef>
+                <a:spcPts val="0"/>
+              </a:spcBef>
+              <a:spcAft>
+                <a:spcPts val="0"/>
+              </a:spcAft>
+              <a:buNone/>
+            </a:pPr>
+            <a:r>
+              <a:rPr lang="en"/>
+              <a:t>Comparison and Conclusion</a:t>
+            </a:r>
+            <a:endParaRPr/>
+          </a:p>
+        </p:txBody>
+      </p:sp>
+      <p:sp>
+        <p:nvSpPr>
+          <p:cNvPr id="137" name="Google Shape;137;p25"/>
+          <p:cNvSpPr txBox="1"/>
+          <p:nvPr>
+            <p:ph idx="1" type="body"/>
+          </p:nvPr>
+        </p:nvSpPr>
+        <p:spPr>
+          <a:xfrm>
+            <a:off x="387900" y="1489825"/>
+            <a:ext cx="7637700" cy="3078900"/>
+          </a:xfrm>
+          <a:prstGeom prst="rect">
+            <a:avLst/>
+          </a:prstGeom>
+        </p:spPr>
+        <p:txBody>
+          <a:bodyPr anchorCtr="0" anchor="t" bIns="91425" lIns="91425" spcFirstLastPara="1" rIns="91425" wrap="square" tIns="91425">
+            <a:noAutofit/>
+          </a:bodyPr>
+          <a:lstStyle/>
+          <a:p>
+            <a:pPr indent="0" lvl="0" marL="0" rtl="0" algn="l">
+              <a:lnSpc>
+                <a:spcPct val="100000"/>
+              </a:lnSpc>
+              <a:spcBef>
+                <a:spcPts val="0"/>
+              </a:spcBef>
+              <a:spcAft>
+                <a:spcPts val="0"/>
+              </a:spcAft>
+              <a:buClr>
+                <a:srgbClr val="000000"/>
+              </a:buClr>
+              <a:buSzPts val="1100"/>
+              <a:buFont typeface="Arial"/>
+              <a:buNone/>
+            </a:pPr>
+            <a:r>
+              <a:rPr lang="en" sz="1800">
+                <a:solidFill>
+                  <a:srgbClr val="FFFFFF"/>
+                </a:solidFill>
+                <a:latin typeface="Arial"/>
+                <a:ea typeface="Arial"/>
+                <a:cs typeface="Arial"/>
+                <a:sym typeface="Arial"/>
+              </a:rPr>
+              <a:t>The dimensions are reduced and the model got about 54% accuracy (considering the size of the data as well as the native slang of the users ). The model is verified for classifying custom text.</a:t>
+            </a:r>
+            <a:endParaRPr sz="1800">
+              <a:solidFill>
+                <a:srgbClr val="FFFFFF"/>
+              </a:solidFill>
+              <a:latin typeface="Arial"/>
+              <a:ea typeface="Arial"/>
+              <a:cs typeface="Arial"/>
+              <a:sym typeface="Arial"/>
+            </a:endParaRPr>
+          </a:p>
+          <a:p>
+            <a:pPr indent="0" lvl="0" marL="0" rtl="0" algn="l">
+              <a:lnSpc>
+                <a:spcPct val="100000"/>
+              </a:lnSpc>
+              <a:spcBef>
+                <a:spcPts val="0"/>
+              </a:spcBef>
+              <a:spcAft>
+                <a:spcPts val="0"/>
+              </a:spcAft>
+              <a:buClr>
+                <a:srgbClr val="000000"/>
+              </a:buClr>
+              <a:buSzPts val="1100"/>
+              <a:buFont typeface="Arial"/>
+              <a:buNone/>
+            </a:pPr>
+            <a:r>
+              <a:rPr lang="en" sz="1800">
+                <a:solidFill>
+                  <a:srgbClr val="FFFFFF"/>
+                </a:solidFill>
+                <a:latin typeface="Arial"/>
+                <a:ea typeface="Arial"/>
+                <a:cs typeface="Arial"/>
+                <a:sym typeface="Arial"/>
+              </a:rPr>
+              <a:t>Some of the applications of the system are </a:t>
+            </a:r>
+            <a:endParaRPr sz="1800">
+              <a:solidFill>
+                <a:srgbClr val="FFFFFF"/>
+              </a:solidFill>
+              <a:latin typeface="Arial"/>
+              <a:ea typeface="Arial"/>
+              <a:cs typeface="Arial"/>
+              <a:sym typeface="Arial"/>
+            </a:endParaRPr>
+          </a:p>
+          <a:p>
+            <a:pPr indent="-342900" lvl="0" marL="457200" rtl="0" algn="l">
+              <a:lnSpc>
+                <a:spcPct val="100000"/>
+              </a:lnSpc>
+              <a:spcBef>
+                <a:spcPts val="0"/>
+              </a:spcBef>
+              <a:spcAft>
+                <a:spcPts val="0"/>
+              </a:spcAft>
+              <a:buClr>
+                <a:srgbClr val="FFFFFF"/>
+              </a:buClr>
+              <a:buSzPts val="1800"/>
+              <a:buFont typeface="Arial"/>
+              <a:buChar char="●"/>
+            </a:pPr>
+            <a:r>
+              <a:rPr lang="en" sz="1800">
+                <a:solidFill>
+                  <a:srgbClr val="FFFFFF"/>
+                </a:solidFill>
+                <a:latin typeface="Arial"/>
+                <a:ea typeface="Arial"/>
+                <a:cs typeface="Arial"/>
+                <a:sym typeface="Arial"/>
+              </a:rPr>
+              <a:t>Content management of blogs.</a:t>
+            </a:r>
+            <a:endParaRPr sz="1800">
+              <a:solidFill>
+                <a:srgbClr val="FFFFFF"/>
+              </a:solidFill>
+              <a:latin typeface="Arial"/>
+              <a:ea typeface="Arial"/>
+              <a:cs typeface="Arial"/>
+              <a:sym typeface="Arial"/>
+            </a:endParaRPr>
+          </a:p>
+          <a:p>
+            <a:pPr indent="-342900" lvl="0" marL="457200" rtl="0" algn="l">
+              <a:lnSpc>
+                <a:spcPct val="100000"/>
+              </a:lnSpc>
+              <a:spcBef>
+                <a:spcPts val="0"/>
+              </a:spcBef>
+              <a:spcAft>
+                <a:spcPts val="0"/>
+              </a:spcAft>
+              <a:buClr>
+                <a:srgbClr val="FFFFFF"/>
+              </a:buClr>
+              <a:buSzPts val="1800"/>
+              <a:buFont typeface="Arial"/>
+              <a:buChar char="●"/>
+            </a:pPr>
+            <a:r>
+              <a:rPr lang="en" sz="1800">
+                <a:solidFill>
+                  <a:srgbClr val="FFFFFF"/>
+                </a:solidFill>
+                <a:latin typeface="Arial"/>
+                <a:ea typeface="Arial"/>
+                <a:cs typeface="Arial"/>
+                <a:sym typeface="Arial"/>
+              </a:rPr>
+              <a:t>Analyse the users and the blogs.</a:t>
+            </a:r>
+            <a:endParaRPr sz="1800">
+              <a:solidFill>
+                <a:srgbClr val="FFFFFF"/>
+              </a:solidFill>
+              <a:latin typeface="Arial"/>
+              <a:ea typeface="Arial"/>
+              <a:cs typeface="Arial"/>
+              <a:sym typeface="Arial"/>
+            </a:endParaRPr>
+          </a:p>
+          <a:p>
+            <a:pPr indent="-342900" lvl="0" marL="457200" rtl="0" algn="l">
+              <a:lnSpc>
+                <a:spcPct val="100000"/>
+              </a:lnSpc>
+              <a:spcBef>
+                <a:spcPts val="0"/>
+              </a:spcBef>
+              <a:spcAft>
+                <a:spcPts val="0"/>
+              </a:spcAft>
+              <a:buClr>
+                <a:srgbClr val="FFFFFF"/>
+              </a:buClr>
+              <a:buSzPts val="1800"/>
+              <a:buFont typeface="Arial"/>
+              <a:buChar char="●"/>
+            </a:pPr>
+            <a:r>
+              <a:rPr lang="en" sz="1800">
+                <a:solidFill>
+                  <a:srgbClr val="FFFFFF"/>
+                </a:solidFill>
+                <a:latin typeface="Arial"/>
+                <a:ea typeface="Arial"/>
+                <a:cs typeface="Arial"/>
+                <a:sym typeface="Arial"/>
+              </a:rPr>
+              <a:t>Targeted advertisements based on the content.</a:t>
+            </a:r>
+            <a:endParaRPr sz="1800">
+              <a:solidFill>
+                <a:srgbClr val="FFFFFF"/>
+              </a:solidFill>
+              <a:latin typeface="Arial"/>
+              <a:ea typeface="Arial"/>
+              <a:cs typeface="Arial"/>
+              <a:sym typeface="Arial"/>
+            </a:endParaRPr>
+          </a:p>
+        </p:txBody>
+      </p:sp>
+    </p:spTree>
+  </p:cSld>
+  <p:clrMapOvr>
+    <a:masterClrMapping/>
+  </p:clrMapOvr>
+</p:sld>
+</file>
+
 <file path=ppt/slides/slide2.xml><?xml version="1.0" encoding="utf-8"?>
 <p:sld xmlns:a="http://schemas.openxmlformats.org/drawingml/2006/main" xmlns:r="http://schemas.openxmlformats.org/officeDocument/2006/relationships" xmlns:mc="http://schemas.openxmlformats.org/markup-compatibility/2006" xmlns:mv="urn:schemas-microsoft-com:mac:vml" xmlns:p="http://schemas.openxmlformats.org/presentationml/2006/main" xmlns:c="http://schemas.openxmlformats.org/drawingml/2006/chart" xmlns:dgm="http://schemas.openxmlformats.org/drawingml/2006/diagram" xmlns:o="urn:schemas-microsoft-com:office:office" xmlns:v="urn:schemas-microsoft-com:vml" xmlns:pvml="urn:schemas-microsoft-com:office:powerpoint" xmlns:com="http://schemas.openxmlformats.org/drawingml/2006/compatibility" xmlns:p14="http://schemas.microsoft.com/office/powerpoint/2010/main" xmlns:p15="http://schemas.microsoft.com/office/powerpoint/2012/main">
   <p:cSld>
@@ -7102,23 +8074,6 @@
             </a:pPr>
             <a:r>
               <a:rPr lang="en"/>
-              <a:t>Collecting dataset</a:t>
-            </a:r>
-            <a:endParaRPr/>
-          </a:p>
-          <a:p>
-            <a:pPr indent="-342900" lvl="0" marL="457200" rtl="0" algn="l">
-              <a:spcBef>
-                <a:spcPts val="1600"/>
-              </a:spcBef>
-              <a:spcAft>
-                <a:spcPts val="0"/>
-              </a:spcAft>
-              <a:buSzPts val="1800"/>
-              <a:buChar char="●"/>
-            </a:pPr>
-            <a:r>
-              <a:rPr lang="en"/>
               <a:t>Preprocessing the data</a:t>
             </a:r>
             <a:endParaRPr/>
@@ -7180,7 +8135,7 @@
                 <a:spcPts val="1600"/>
               </a:spcBef>
               <a:spcAft>
-                <a:spcPts val="1600"/>
+                <a:spcPts val="0"/>
               </a:spcAft>
               <a:buSzPts val="1800"/>
               <a:buChar char="●"/>
@@ -7188,6 +8143,40 @@
             <a:r>
               <a:rPr lang="en"/>
               <a:t>Training and testing the model</a:t>
+            </a:r>
+            <a:endParaRPr/>
+          </a:p>
+          <a:p>
+            <a:pPr indent="-342900" lvl="0" marL="457200" rtl="0" algn="l">
+              <a:spcBef>
+                <a:spcPts val="1600"/>
+              </a:spcBef>
+              <a:spcAft>
+                <a:spcPts val="0"/>
+              </a:spcAft>
+              <a:buSzPts val="1800"/>
+              <a:buChar char="●"/>
+            </a:pPr>
+            <a:r>
+              <a:rPr lang="en"/>
+              <a:t>Adding NE and re-train</a:t>
+            </a:r>
+            <a:endParaRPr/>
+          </a:p>
+          <a:p>
+            <a:pPr indent="-342900" lvl="0" marL="457200" rtl="0" algn="l">
+              <a:spcBef>
+                <a:spcPts val="1600"/>
+              </a:spcBef>
+              <a:spcAft>
+                <a:spcPts val="1600"/>
+              </a:spcAft>
+              <a:buSzPts val="1800"/>
+              <a:buChar char="●"/>
+            </a:pPr>
+            <a:r>
+              <a:rPr lang="en"/>
+              <a:t>Comparison</a:t>
             </a:r>
             <a:endParaRPr/>
           </a:p>
@@ -7274,8 +8263,8 @@
         </p:blipFill>
         <p:spPr>
           <a:xfrm>
-            <a:off x="4042507" y="115525"/>
-            <a:ext cx="4950034" cy="5143499"/>
+            <a:off x="4590475" y="152400"/>
+            <a:ext cx="4401125" cy="4573136"/>
           </a:xfrm>
           <a:prstGeom prst="rect">
             <a:avLst/>
@@ -7345,7 +8334,7 @@
             </a:pPr>
             <a:r>
               <a:rPr lang="en"/>
-              <a:t>           Pre Processing</a:t>
+              <a:t>           Pre-processing</a:t>
             </a:r>
             <a:endParaRPr/>
           </a:p>
@@ -7536,7 +8525,7 @@
             </a:pPr>
             <a:r>
               <a:rPr lang="en"/>
-              <a:t>The Labels</a:t>
+              <a:t>Pre-processing</a:t>
             </a:r>
             <a:endParaRPr/>
           </a:p>
@@ -7558,8 +8547,8 @@
         </p:blipFill>
         <p:spPr>
           <a:xfrm>
-            <a:off x="1764063" y="1357525"/>
-            <a:ext cx="5615872" cy="3509924"/>
+            <a:off x="1787063" y="1496600"/>
+            <a:ext cx="5569882" cy="3481176"/>
           </a:xfrm>
           <a:prstGeom prst="rect">
             <a:avLst/>
@@ -7605,8 +8594,8 @@
         </p:nvSpPr>
         <p:spPr>
           <a:xfrm>
-            <a:off x="387900" y="458025"/>
-            <a:ext cx="8368200" cy="686100"/>
+            <a:off x="460950" y="450025"/>
+            <a:ext cx="8222100" cy="907500"/>
           </a:xfrm>
           <a:prstGeom prst="rect">
             <a:avLst/>
@@ -7618,7 +8607,7 @@
           </a:bodyPr>
           <a:lstStyle/>
           <a:p>
-            <a:pPr indent="0" lvl="0" marL="0" rtl="0" algn="l">
+            <a:pPr indent="0" lvl="0" marL="0" rtl="0" algn="ctr">
               <a:spcBef>
                 <a:spcPts val="0"/>
               </a:spcBef>
@@ -7629,169 +8618,40 @@
             </a:pPr>
             <a:r>
               <a:rPr lang="en"/>
-              <a:t>Load and Train Model</a:t>
+              <a:t>The Labels</a:t>
             </a:r>
             <a:endParaRPr/>
           </a:p>
         </p:txBody>
       </p:sp>
-      <p:sp>
-        <p:nvSpPr>
+      <p:pic>
+        <p:nvPicPr>
           <p:cNvPr id="95" name="Google Shape;95;p18"/>
-          <p:cNvSpPr txBox="1"/>
-          <p:nvPr>
-            <p:ph idx="1" type="body"/>
-          </p:nvPr>
-        </p:nvSpPr>
+          <p:cNvPicPr preferRelativeResize="0"/>
+          <p:nvPr/>
+        </p:nvPicPr>
+        <p:blipFill>
+          <a:blip r:embed="rId3">
+            <a:alphaModFix/>
+          </a:blip>
+          <a:stretch>
+            <a:fillRect/>
+          </a:stretch>
+        </p:blipFill>
         <p:spPr>
           <a:xfrm>
-            <a:off x="387900" y="1489825"/>
-            <a:ext cx="7637700" cy="3078900"/>
+            <a:off x="1764063" y="1357525"/>
+            <a:ext cx="5615872" cy="3509924"/>
           </a:xfrm>
           <a:prstGeom prst="rect">
             <a:avLst/>
           </a:prstGeom>
+          <a:noFill/>
+          <a:ln>
+            <a:noFill/>
+          </a:ln>
         </p:spPr>
-        <p:txBody>
-          <a:bodyPr anchorCtr="0" anchor="t" bIns="91425" lIns="91425" spcFirstLastPara="1" rIns="91425" wrap="square" tIns="91425">
-            <a:noAutofit/>
-          </a:bodyPr>
-          <a:lstStyle/>
-          <a:p>
-            <a:pPr indent="-330200" lvl="0" marL="457200" rtl="0" algn="l">
-              <a:lnSpc>
-                <a:spcPct val="100000"/>
-              </a:lnSpc>
-              <a:spcBef>
-                <a:spcPts val="0"/>
-              </a:spcBef>
-              <a:spcAft>
-                <a:spcPts val="0"/>
-              </a:spcAft>
-              <a:buClr>
-                <a:srgbClr val="FFFFFF"/>
-              </a:buClr>
-              <a:buSzPts val="1600"/>
-              <a:buAutoNum type="arabicPeriod"/>
-            </a:pPr>
-            <a:r>
-              <a:rPr lang="en" sz="1600">
-                <a:solidFill>
-                  <a:srgbClr val="FFFFFF"/>
-                </a:solidFill>
-                <a:latin typeface="Arial"/>
-                <a:ea typeface="Arial"/>
-                <a:cs typeface="Arial"/>
-                <a:sym typeface="Arial"/>
-              </a:rPr>
-              <a:t>from sklearn import  linear_model, naive_bayes, metrics, svm</a:t>
-            </a:r>
-            <a:endParaRPr sz="1600">
-              <a:solidFill>
-                <a:srgbClr val="FFFFFF"/>
-              </a:solidFill>
-              <a:latin typeface="Arial"/>
-              <a:ea typeface="Arial"/>
-              <a:cs typeface="Arial"/>
-              <a:sym typeface="Arial"/>
-            </a:endParaRPr>
-          </a:p>
-          <a:p>
-            <a:pPr indent="0" lvl="0" marL="457200" rtl="0" algn="l">
-              <a:lnSpc>
-                <a:spcPct val="100000"/>
-              </a:lnSpc>
-              <a:spcBef>
-                <a:spcPts val="0"/>
-              </a:spcBef>
-              <a:spcAft>
-                <a:spcPts val="0"/>
-              </a:spcAft>
-              <a:buNone/>
-            </a:pPr>
-            <a:r>
-              <a:t/>
-            </a:r>
-            <a:endParaRPr sz="1600">
-              <a:solidFill>
-                <a:srgbClr val="FFFFFF"/>
-              </a:solidFill>
-              <a:latin typeface="Arial"/>
-              <a:ea typeface="Arial"/>
-              <a:cs typeface="Arial"/>
-              <a:sym typeface="Arial"/>
-            </a:endParaRPr>
-          </a:p>
-          <a:p>
-            <a:pPr indent="-330200" lvl="0" marL="457200" rtl="0" algn="l">
-              <a:spcBef>
-                <a:spcPts val="0"/>
-              </a:spcBef>
-              <a:spcAft>
-                <a:spcPts val="0"/>
-              </a:spcAft>
-              <a:buSzPts val="1600"/>
-              <a:buAutoNum type="arabicPeriod"/>
-            </a:pPr>
-            <a:r>
-              <a:rPr lang="en" sz="1600"/>
-              <a:t>from sklearn.model_selection import train_test_split </a:t>
-            </a:r>
-            <a:endParaRPr sz="1600"/>
-          </a:p>
-          <a:p>
-            <a:pPr indent="-330200" lvl="0" marL="457200" rtl="0" algn="l">
-              <a:spcBef>
-                <a:spcPts val="1600"/>
-              </a:spcBef>
-              <a:spcAft>
-                <a:spcPts val="0"/>
-              </a:spcAft>
-              <a:buSzPts val="1600"/>
-              <a:buAutoNum type="arabicPeriod"/>
-            </a:pPr>
-            <a:r>
-              <a:rPr lang="en" sz="1600"/>
-              <a:t>X_train, X_test, y_train, y_test = train_test_split(counts, df['topic'], test_size=0.33, random_state=0)</a:t>
-            </a:r>
-            <a:endParaRPr sz="1600"/>
-          </a:p>
-          <a:p>
-            <a:pPr indent="-330200" lvl="0" marL="457200" rtl="0" algn="l">
-              <a:spcBef>
-                <a:spcPts val="1600"/>
-              </a:spcBef>
-              <a:spcAft>
-                <a:spcPts val="0"/>
-              </a:spcAft>
-              <a:buSzPts val="1600"/>
-              <a:buAutoNum type="arabicPeriod"/>
-            </a:pPr>
-            <a:r>
-              <a:rPr lang="en" sz="1600"/>
-              <a:t>from sklearn.naive_bayes import MultinomialNB</a:t>
-            </a:r>
-            <a:endParaRPr sz="1600"/>
-          </a:p>
-          <a:p>
-            <a:pPr indent="-330200" lvl="0" marL="457200" rtl="0" algn="l">
-              <a:spcBef>
-                <a:spcPts val="1600"/>
-              </a:spcBef>
-              <a:spcAft>
-                <a:spcPts val="1600"/>
-              </a:spcAft>
-              <a:buSzPts val="1600"/>
-              <a:buAutoNum type="arabicPeriod"/>
-            </a:pPr>
-            <a:r>
-              <a:rPr lang="en" sz="1600"/>
-              <a:t>model = MultinomialNB().fit(X_train, y_train)</a:t>
-            </a:r>
-            <a:endParaRPr sz="1600"/>
-          </a:p>
-        </p:txBody>
-      </p:sp>
+      </p:pic>
     </p:spTree>
   </p:cSld>
   <p:clrMapOvr>
@@ -7827,8 +8687,8 @@
         </p:nvSpPr>
         <p:spPr>
           <a:xfrm>
-            <a:off x="549325" y="1132600"/>
-            <a:ext cx="8222100" cy="1205400"/>
+            <a:off x="387900" y="458025"/>
+            <a:ext cx="8368200" cy="686100"/>
           </a:xfrm>
           <a:prstGeom prst="rect">
             <a:avLst/>
@@ -7840,7 +8700,7 @@
           </a:bodyPr>
           <a:lstStyle/>
           <a:p>
-            <a:pPr indent="0" lvl="0" marL="0" rtl="0" algn="ctr">
+            <a:pPr indent="0" lvl="0" marL="0" rtl="0" algn="l">
               <a:spcBef>
                 <a:spcPts val="0"/>
               </a:spcBef>
@@ -7851,7 +8711,7 @@
             </a:pPr>
             <a:r>
               <a:rPr lang="en"/>
-              <a:t>Testing</a:t>
+              <a:t>Load and Train Model</a:t>
             </a:r>
             <a:endParaRPr/>
           </a:p>
@@ -7861,20 +8721,18 @@
         <p:nvSpPr>
           <p:cNvPr id="101" name="Google Shape;101;p19"/>
           <p:cNvSpPr txBox="1"/>
-          <p:nvPr/>
+          <p:nvPr>
+            <p:ph idx="1" type="body"/>
+          </p:nvPr>
         </p:nvSpPr>
         <p:spPr>
           <a:xfrm>
-            <a:off x="524100" y="3023775"/>
-            <a:ext cx="8095800" cy="1849500"/>
+            <a:off x="387900" y="1489825"/>
+            <a:ext cx="7637700" cy="3078900"/>
           </a:xfrm>
           <a:prstGeom prst="rect">
             <a:avLst/>
           </a:prstGeom>
-          <a:noFill/>
-          <a:ln>
-            <a:noFill/>
-          </a:ln>
         </p:spPr>
         <p:txBody>
           <a:bodyPr anchorCtr="0" anchor="t" bIns="91425" lIns="91425" spcFirstLastPara="1" rIns="91425" wrap="square" tIns="91425">
@@ -7882,9 +8740,9 @@
           </a:bodyPr>
           <a:lstStyle/>
           <a:p>
-            <a:pPr indent="0" lvl="0" marL="0" rtl="0" algn="l">
+            <a:pPr indent="-330200" lvl="0" marL="457200" rtl="0" algn="l">
               <a:lnSpc>
-                <a:spcPct val="115000"/>
+                <a:spcPct val="100000"/>
               </a:lnSpc>
               <a:spcBef>
                 <a:spcPts val="0"/>
@@ -7892,56 +8750,44 @@
               <a:spcAft>
                 <a:spcPts val="0"/>
               </a:spcAft>
-              <a:buNone/>
+              <a:buClr>
+                <a:srgbClr val="FFFFFF"/>
+              </a:buClr>
+              <a:buSzPts val="1600"/>
+              <a:buAutoNum type="arabicPeriod"/>
             </a:pPr>
             <a:r>
               <a:rPr lang="en" sz="1600">
                 <a:solidFill>
                   <a:srgbClr val="FFFFFF"/>
                 </a:solidFill>
+                <a:latin typeface="Arial"/>
+                <a:ea typeface="Arial"/>
+                <a:cs typeface="Arial"/>
+                <a:sym typeface="Arial"/>
               </a:rPr>
-              <a:t>Once the model is ready we need to test the model on untrained data so that we could get the efficiency of the model. On training the data we got a accuracy of 35 %, which is 12x greater than random prediction.</a:t>
+              <a:t>from sklearn import  linear_model, naive_bayes, metrics, svm</a:t>
             </a:r>
             <a:endParaRPr sz="1600">
               <a:solidFill>
                 <a:srgbClr val="FFFFFF"/>
               </a:solidFill>
+              <a:latin typeface="Arial"/>
+              <a:ea typeface="Arial"/>
+              <a:cs typeface="Arial"/>
+              <a:sym typeface="Arial"/>
             </a:endParaRPr>
           </a:p>
           <a:p>
-            <a:pPr indent="0" lvl="0" marL="0" rtl="0" algn="l">
-              <a:spcBef>
-                <a:spcPts val="2700"/>
-              </a:spcBef>
-              <a:spcAft>
-                <a:spcPts val="0"/>
-              </a:spcAft>
-              <a:buNone/>
-            </a:pPr>
-            <a:r>
-              <a:rPr lang="en" sz="1600">
-                <a:solidFill>
-                  <a:srgbClr val="FFFFFF"/>
-                </a:solidFill>
-              </a:rPr>
-              <a:t>predicted = model.predict(X_test)</a:t>
-            </a:r>
-            <a:endParaRPr sz="1600">
-              <a:solidFill>
-                <a:srgbClr val="FFFFFF"/>
-              </a:solidFill>
-            </a:endParaRPr>
-          </a:p>
-          <a:p>
-            <a:pPr indent="0" lvl="0" marL="0" rtl="0" algn="l">
+            <a:pPr indent="0" lvl="0" marL="457200" rtl="0" algn="l">
               <a:lnSpc>
-                <a:spcPct val="115000"/>
+                <a:spcPct val="100000"/>
               </a:lnSpc>
               <a:spcBef>
                 <a:spcPts val="0"/>
               </a:spcBef>
               <a:spcAft>
-                <a:spcPts val="2700"/>
+                <a:spcPts val="0"/>
               </a:spcAft>
               <a:buNone/>
             </a:pPr>
@@ -7952,7 +8798,79 @@
               <a:solidFill>
                 <a:srgbClr val="FFFFFF"/>
               </a:solidFill>
+              <a:latin typeface="Arial"/>
+              <a:ea typeface="Arial"/>
+              <a:cs typeface="Arial"/>
+              <a:sym typeface="Arial"/>
             </a:endParaRPr>
+          </a:p>
+          <a:p>
+            <a:pPr indent="-330200" lvl="0" marL="457200" rtl="0" algn="l">
+              <a:spcBef>
+                <a:spcPts val="0"/>
+              </a:spcBef>
+              <a:spcAft>
+                <a:spcPts val="0"/>
+              </a:spcAft>
+              <a:buSzPts val="1600"/>
+              <a:buAutoNum type="arabicPeriod"/>
+            </a:pPr>
+            <a:r>
+              <a:rPr lang="en" sz="1600"/>
+              <a:t>from sklearn.model_selection import train_test_split </a:t>
+            </a:r>
+            <a:endParaRPr sz="1600"/>
+          </a:p>
+          <a:p>
+            <a:pPr indent="-330200" lvl="0" marL="457200" rtl="0" algn="l">
+              <a:spcBef>
+                <a:spcPts val="1600"/>
+              </a:spcBef>
+              <a:spcAft>
+                <a:spcPts val="0"/>
+              </a:spcAft>
+              <a:buSzPts val="1600"/>
+              <a:buAutoNum type="arabicPeriod"/>
+            </a:pPr>
+            <a:r>
+              <a:rPr lang="en" sz="1600"/>
+              <a:t>X_train, X_test, y_train, y_test = train_test_split(counts, df['topic'], test_size=0.33, random_state=0)</a:t>
+            </a:r>
+            <a:endParaRPr sz="1600"/>
+          </a:p>
+          <a:p>
+            <a:pPr indent="-330200" lvl="0" marL="457200" rtl="0" algn="l">
+              <a:spcBef>
+                <a:spcPts val="1600"/>
+              </a:spcBef>
+              <a:spcAft>
+                <a:spcPts val="0"/>
+              </a:spcAft>
+              <a:buSzPts val="1600"/>
+              <a:buAutoNum type="arabicPeriod"/>
+            </a:pPr>
+            <a:r>
+              <a:rPr lang="en" sz="1600"/>
+              <a:t>from sklearn.naive_bayes import MultinomialNB</a:t>
+            </a:r>
+            <a:endParaRPr sz="1600"/>
+          </a:p>
+          <a:p>
+            <a:pPr indent="-330200" lvl="0" marL="457200" rtl="0" algn="l">
+              <a:spcBef>
+                <a:spcPts val="1600"/>
+              </a:spcBef>
+              <a:spcAft>
+                <a:spcPts val="1600"/>
+              </a:spcAft>
+              <a:buSzPts val="1600"/>
+              <a:buAutoNum type="arabicPeriod"/>
+            </a:pPr>
+            <a:r>
+              <a:rPr lang="en" sz="1600"/>
+              <a:t>model = MultinomialNB().fit(X_train, y_train)</a:t>
+            </a:r>
+            <a:endParaRPr sz="1600"/>
           </a:p>
         </p:txBody>
       </p:sp>
@@ -8015,7 +8933,7 @@
             </a:pPr>
             <a:r>
               <a:rPr lang="en"/>
-              <a:t>The OUTPUT</a:t>
+              <a:t>Load and Train</a:t>
             </a:r>
             <a:endParaRPr/>
           </a:p>
@@ -8037,8 +8955,8 @@
         </p:blipFill>
         <p:spPr>
           <a:xfrm>
-            <a:off x="1665138" y="1357526"/>
-            <a:ext cx="5813722" cy="3633576"/>
+            <a:off x="683875" y="1357525"/>
+            <a:ext cx="7776252" cy="3481176"/>
           </a:xfrm>
           <a:prstGeom prst="rect">
             <a:avLst/>
@@ -8084,8 +9002,8 @@
         </p:nvSpPr>
         <p:spPr>
           <a:xfrm>
-            <a:off x="387900" y="458025"/>
-            <a:ext cx="8368200" cy="686100"/>
+            <a:off x="549325" y="1132600"/>
+            <a:ext cx="8222100" cy="1205400"/>
           </a:xfrm>
           <a:prstGeom prst="rect">
             <a:avLst/>
@@ -8097,7 +9015,7 @@
           </a:bodyPr>
           <a:lstStyle/>
           <a:p>
-            <a:pPr indent="0" lvl="0" marL="0" rtl="0" algn="l">
+            <a:pPr indent="0" lvl="0" marL="0" rtl="0" algn="ctr">
               <a:spcBef>
                 <a:spcPts val="0"/>
               </a:spcBef>
@@ -8108,7 +9026,7 @@
             </a:pPr>
             <a:r>
               <a:rPr lang="en"/>
-              <a:t>Conclusion</a:t>
+              <a:t>Testing</a:t>
             </a:r>
             <a:endParaRPr/>
           </a:p>
@@ -8118,18 +9036,20 @@
         <p:nvSpPr>
           <p:cNvPr id="113" name="Google Shape;113;p21"/>
           <p:cNvSpPr txBox="1"/>
-          <p:nvPr>
-            <p:ph idx="1" type="body"/>
-          </p:nvPr>
+          <p:nvPr/>
         </p:nvSpPr>
         <p:spPr>
           <a:xfrm>
-            <a:off x="387900" y="1489824"/>
-            <a:ext cx="8368200" cy="3078900"/>
+            <a:off x="524100" y="3023775"/>
+            <a:ext cx="8095800" cy="1849500"/>
           </a:xfrm>
           <a:prstGeom prst="rect">
             <a:avLst/>
           </a:prstGeom>
+          <a:noFill/>
+          <a:ln>
+            <a:noFill/>
+          </a:ln>
         </p:spPr>
         <p:txBody>
           <a:bodyPr anchorCtr="0" anchor="t" bIns="91425" lIns="91425" spcFirstLastPara="1" rIns="91425" wrap="square" tIns="91425">
@@ -8138,17 +9058,15 @@
           <a:lstStyle/>
           <a:p>
             <a:pPr indent="0" lvl="0" marL="0" rtl="0" algn="l">
-              <a:spcBef>
-                <a:spcPts val="0"/>
-              </a:spcBef>
-              <a:spcAft>
-                <a:spcPts val="0"/>
-              </a:spcAft>
-              <a:buClr>
-                <a:srgbClr val="000000"/>
-              </a:buClr>
-              <a:buSzPts val="1100"/>
-              <a:buFont typeface="Arial"/>
+              <a:lnSpc>
+                <a:spcPct val="115000"/>
+              </a:lnSpc>
+              <a:spcBef>
+                <a:spcPts val="0"/>
+              </a:spcBef>
+              <a:spcAft>
+                <a:spcPts val="0"/>
+              </a:spcAft>
               <a:buNone/>
             </a:pPr>
             <a:r>
@@ -8156,49 +9074,56 @@
                 <a:solidFill>
                   <a:srgbClr val="FFFFFF"/>
                 </a:solidFill>
-                <a:latin typeface="Arial"/>
-                <a:ea typeface="Arial"/>
-                <a:cs typeface="Arial"/>
-                <a:sym typeface="Arial"/>
               </a:rPr>
-              <a:t>N</a:t>
+              <a:t>Once the model is ready we need to test the model on untrained data so that we could get the efficiency of the model. On training the data we got a accuracy of 35 %, which is 12x greater than random prediction.</a:t>
             </a:r>
+            <a:endParaRPr sz="1600">
+              <a:solidFill>
+                <a:srgbClr val="FFFFFF"/>
+              </a:solidFill>
+            </a:endParaRPr>
+          </a:p>
+          <a:p>
+            <a:pPr indent="0" lvl="0" marL="0" rtl="0" algn="l">
+              <a:spcBef>
+                <a:spcPts val="2700"/>
+              </a:spcBef>
+              <a:spcAft>
+                <a:spcPts val="0"/>
+              </a:spcAft>
+              <a:buNone/>
+            </a:pPr>
             <a:r>
               <a:rPr lang="en" sz="1600">
                 <a:solidFill>
                   <a:srgbClr val="FFFFFF"/>
                 </a:solidFill>
-                <a:latin typeface="Arial"/>
-                <a:ea typeface="Arial"/>
-                <a:cs typeface="Arial"/>
-                <a:sym typeface="Arial"/>
               </a:rPr>
-              <a:t>ow we have a model that produces 35% which is a bit low (considering the huge size of the dataset). However this can be reduced by reducing the no of dimensions of the dataset or by converting the linear dimensions to multi dimensional non-linear dimensions (i.e. instead of going to a label of 1*40 we can go to a label consisting of dimensions like  x*y (where x * y = 40)). This may increase the complexity of the model but also increases the accuracy of it as well. </a:t>
+              <a:t>predicted = model.predict(X_test)</a:t>
             </a:r>
             <a:endParaRPr sz="1600">
               <a:solidFill>
                 <a:srgbClr val="FFFFFF"/>
               </a:solidFill>
-              <a:latin typeface="Arial"/>
-              <a:ea typeface="Arial"/>
-              <a:cs typeface="Arial"/>
-              <a:sym typeface="Arial"/>
             </a:endParaRPr>
           </a:p>
           <a:p>
             <a:pPr indent="0" lvl="0" marL="0" rtl="0" algn="l">
-              <a:spcBef>
+              <a:lnSpc>
+                <a:spcPct val="115000"/>
+              </a:lnSpc>
+              <a:spcBef>
+                <a:spcPts val="0"/>
+              </a:spcBef>
+              <a:spcAft>
                 <a:spcPts val="2700"/>
-              </a:spcBef>
-              <a:spcAft>
-                <a:spcPts val="1600"/>
               </a:spcAft>
               <a:buNone/>
             </a:pPr>
             <a:r>
               <a:t/>
             </a:r>
-            <a:endParaRPr>
+            <a:endParaRPr sz="1600">
               <a:solidFill>
                 <a:srgbClr val="FFFFFF"/>
               </a:solidFill>
